--- a/ppt/2-memory.pptx
+++ b/ppt/2-memory.pptx
@@ -5,17 +5,23 @@
     <p:sldMasterId id="2147483660" r:id="rId1"/>
   </p:sldMasterIdLst>
   <p:notesMasterIdLst>
-    <p:notesMasterId r:id="rId10"/>
+    <p:notesMasterId r:id="rId16"/>
   </p:notesMasterIdLst>
   <p:sldIdLst>
     <p:sldId id="256" r:id="rId2"/>
-    <p:sldId id="377" r:id="rId3"/>
-    <p:sldId id="378" r:id="rId4"/>
-    <p:sldId id="385" r:id="rId5"/>
-    <p:sldId id="262" r:id="rId6"/>
-    <p:sldId id="349" r:id="rId7"/>
-    <p:sldId id="352" r:id="rId8"/>
-    <p:sldId id="350" r:id="rId9"/>
+    <p:sldId id="274" r:id="rId3"/>
+    <p:sldId id="282" r:id="rId4"/>
+    <p:sldId id="283" r:id="rId5"/>
+    <p:sldId id="306" r:id="rId6"/>
+    <p:sldId id="303" r:id="rId7"/>
+    <p:sldId id="377" r:id="rId8"/>
+    <p:sldId id="378" r:id="rId9"/>
+    <p:sldId id="304" r:id="rId10"/>
+    <p:sldId id="385" r:id="rId11"/>
+    <p:sldId id="262" r:id="rId12"/>
+    <p:sldId id="349" r:id="rId13"/>
+    <p:sldId id="352" r:id="rId14"/>
+    <p:sldId id="350" r:id="rId15"/>
   </p:sldIdLst>
   <p:sldSz cx="9144000" cy="6858000" type="screen4x3"/>
   <p:notesSz cx="6858000" cy="9144000"/>
@@ -215,7 +221,7 @@
           <a:p>
             <a:fld id="{59CBBB06-FC48-4F68-8B0B-D3B2534CD4D3}" type="datetimeFigureOut">
               <a:rPr lang="zh-CN" altLang="en-US" smtClean="0"/>
-              <a:t>2020/12/5</a:t>
+              <a:t>2023/9/7</a:t>
             </a:fld>
             <a:endParaRPr lang="zh-CN" altLang="en-US"/>
           </a:p>
@@ -485,6 +491,304 @@
 <file path=ppt/notesSlides/notesSlide1.xml><?xml version="1.0" encoding="utf-8"?>
 <p:notes xmlns:a="http://schemas.openxmlformats.org/drawingml/2006/main" xmlns:r="http://schemas.openxmlformats.org/officeDocument/2006/relationships" xmlns:p="http://schemas.openxmlformats.org/presentationml/2006/main">
   <p:cSld>
+    <p:spTree>
+      <p:nvGrpSpPr>
+        <p:cNvPr id="1" name=""/>
+        <p:cNvGrpSpPr/>
+        <p:nvPr/>
+      </p:nvGrpSpPr>
+      <p:grpSpPr>
+        <a:xfrm>
+          <a:off x="0" y="0"/>
+          <a:ext cx="0" cy="0"/>
+          <a:chOff x="0" y="0"/>
+          <a:chExt cx="0" cy="0"/>
+        </a:xfrm>
+      </p:grpSpPr>
+      <p:sp>
+        <p:nvSpPr>
+          <p:cNvPr id="2" name="Slide Image Placeholder 1"/>
+          <p:cNvSpPr>
+            <a:spLocks noGrp="1" noRot="1" noChangeAspect="1"/>
+          </p:cNvSpPr>
+          <p:nvPr>
+            <p:ph type="sldImg"/>
+          </p:nvPr>
+        </p:nvSpPr>
+        <p:spPr/>
+      </p:sp>
+      <p:sp>
+        <p:nvSpPr>
+          <p:cNvPr id="3" name="Notes Placeholder 2"/>
+          <p:cNvSpPr>
+            <a:spLocks noGrp="1"/>
+          </p:cNvSpPr>
+          <p:nvPr>
+            <p:ph type="body" idx="1"/>
+          </p:nvPr>
+        </p:nvSpPr>
+        <p:spPr/>
+        <p:txBody>
+          <a:bodyPr>
+            <a:normAutofit/>
+          </a:bodyPr>
+          <a:lstStyle/>
+          <a:p>
+            <a:r>
+              <a:rPr lang="en-US" dirty="0"/>
+              <a:t>16 – me </a:t>
+            </a:r>
+            <a:r>
+              <a:rPr lang="en-US" dirty="0" err="1"/>
+              <a:t>vs</a:t>
+            </a:r>
+            <a:r>
+              <a:rPr lang="en-US" dirty="0"/>
+              <a:t> </a:t>
+            </a:r>
+            <a:r>
+              <a:rPr lang="en-US" dirty="0" err="1"/>
+              <a:t>chihuhua</a:t>
+            </a:r>
+            <a:r>
+              <a:rPr lang="en-US" dirty="0"/>
+              <a:t> – or </a:t>
+            </a:r>
+            <a:r>
+              <a:rPr lang="en-US" dirty="0" err="1"/>
+              <a:t>vs</a:t>
+            </a:r>
+            <a:r>
+              <a:rPr lang="en-US" dirty="0"/>
+              <a:t> midsize</a:t>
+            </a:r>
+            <a:r>
+              <a:rPr lang="en-US" baseline="0" dirty="0"/>
+              <a:t> car</a:t>
+            </a:r>
+            <a:endParaRPr lang="en-US" dirty="0"/>
+          </a:p>
+          <a:p>
+            <a:r>
+              <a:rPr lang="en-US" dirty="0"/>
+              <a:t>256 – me</a:t>
+            </a:r>
+            <a:r>
+              <a:rPr lang="en-US" baseline="0" dirty="0"/>
+              <a:t> </a:t>
+            </a:r>
+            <a:r>
+              <a:rPr lang="en-US" baseline="0" dirty="0" err="1"/>
+              <a:t>vs</a:t>
+            </a:r>
+            <a:r>
+              <a:rPr lang="en-US" baseline="0" dirty="0"/>
+              <a:t> 2 </a:t>
+            </a:r>
+            <a:r>
+              <a:rPr lang="en-US" baseline="0" dirty="0" err="1"/>
+              <a:t>iphones</a:t>
+            </a:r>
+            <a:r>
+              <a:rPr lang="en-US" baseline="0" dirty="0"/>
+              <a:t> – or </a:t>
+            </a:r>
+            <a:r>
+              <a:rPr lang="en-US" baseline="0" dirty="0" err="1"/>
+              <a:t>vs</a:t>
+            </a:r>
+            <a:r>
+              <a:rPr lang="en-US" baseline="0" dirty="0"/>
+              <a:t> a sperm whale or 3 elephants</a:t>
+            </a:r>
+            <a:endParaRPr lang="en-US" dirty="0"/>
+          </a:p>
+        </p:txBody>
+      </p:sp>
+      <p:sp>
+        <p:nvSpPr>
+          <p:cNvPr id="4" name="Slide Number Placeholder 3"/>
+          <p:cNvSpPr>
+            <a:spLocks noGrp="1"/>
+          </p:cNvSpPr>
+          <p:nvPr>
+            <p:ph type="sldNum" sz="quarter" idx="10"/>
+          </p:nvPr>
+        </p:nvSpPr>
+        <p:spPr/>
+        <p:txBody>
+          <a:bodyPr/>
+          <a:lstStyle/>
+          <a:p>
+            <a:fld id="{00CF8AD2-6882-4531-8560-2C8EEF2B5B25}" type="slidenum">
+              <a:rPr lang="en-US" smtClean="0"/>
+              <a:pPr/>
+              <a:t>3</a:t>
+            </a:fld>
+            <a:endParaRPr lang="en-US"/>
+          </a:p>
+        </p:txBody>
+      </p:sp>
+    </p:spTree>
+  </p:cSld>
+  <p:clrMapOvr>
+    <a:masterClrMapping/>
+  </p:clrMapOvr>
+</p:notes>
+</file>
+
+<file path=ppt/notesSlides/notesSlide2.xml><?xml version="1.0" encoding="utf-8"?>
+<p:notes xmlns:a="http://schemas.openxmlformats.org/drawingml/2006/main" xmlns:r="http://schemas.openxmlformats.org/officeDocument/2006/relationships" xmlns:p="http://schemas.openxmlformats.org/presentationml/2006/main">
+  <p:cSld>
+    <p:spTree>
+      <p:nvGrpSpPr>
+        <p:cNvPr id="1" name=""/>
+        <p:cNvGrpSpPr/>
+        <p:nvPr/>
+      </p:nvGrpSpPr>
+      <p:grpSpPr>
+        <a:xfrm>
+          <a:off x="0" y="0"/>
+          <a:ext cx="0" cy="0"/>
+          <a:chOff x="0" y="0"/>
+          <a:chExt cx="0" cy="0"/>
+        </a:xfrm>
+      </p:grpSpPr>
+      <p:sp>
+        <p:nvSpPr>
+          <p:cNvPr id="2" name="Slide Image Placeholder 1"/>
+          <p:cNvSpPr>
+            <a:spLocks noGrp="1" noRot="1" noChangeAspect="1"/>
+          </p:cNvSpPr>
+          <p:nvPr>
+            <p:ph type="sldImg"/>
+          </p:nvPr>
+        </p:nvSpPr>
+        <p:spPr/>
+      </p:sp>
+      <p:sp>
+        <p:nvSpPr>
+          <p:cNvPr id="3" name="Notes Placeholder 2"/>
+          <p:cNvSpPr>
+            <a:spLocks noGrp="1"/>
+          </p:cNvSpPr>
+          <p:nvPr>
+            <p:ph type="body" idx="1"/>
+          </p:nvPr>
+        </p:nvSpPr>
+        <p:spPr/>
+        <p:txBody>
+          <a:bodyPr>
+            <a:normAutofit/>
+          </a:bodyPr>
+          <a:lstStyle/>
+          <a:p>
+            <a:r>
+              <a:rPr lang="en-US" dirty="0"/>
+              <a:t>16 – me </a:t>
+            </a:r>
+            <a:r>
+              <a:rPr lang="en-US" dirty="0" err="1"/>
+              <a:t>vs</a:t>
+            </a:r>
+            <a:r>
+              <a:rPr lang="en-US" dirty="0"/>
+              <a:t> </a:t>
+            </a:r>
+            <a:r>
+              <a:rPr lang="en-US" dirty="0" err="1"/>
+              <a:t>chihuhua</a:t>
+            </a:r>
+            <a:r>
+              <a:rPr lang="en-US" dirty="0"/>
+              <a:t> – or </a:t>
+            </a:r>
+            <a:r>
+              <a:rPr lang="en-US" dirty="0" err="1"/>
+              <a:t>vs</a:t>
+            </a:r>
+            <a:r>
+              <a:rPr lang="en-US" dirty="0"/>
+              <a:t> midsize</a:t>
+            </a:r>
+            <a:r>
+              <a:rPr lang="en-US" baseline="0" dirty="0"/>
+              <a:t> car</a:t>
+            </a:r>
+            <a:endParaRPr lang="en-US" dirty="0"/>
+          </a:p>
+          <a:p>
+            <a:r>
+              <a:rPr lang="en-US" dirty="0"/>
+              <a:t>256 – me</a:t>
+            </a:r>
+            <a:r>
+              <a:rPr lang="en-US" baseline="0" dirty="0"/>
+              <a:t> </a:t>
+            </a:r>
+            <a:r>
+              <a:rPr lang="en-US" baseline="0" dirty="0" err="1"/>
+              <a:t>vs</a:t>
+            </a:r>
+            <a:r>
+              <a:rPr lang="en-US" baseline="0" dirty="0"/>
+              <a:t> 2 </a:t>
+            </a:r>
+            <a:r>
+              <a:rPr lang="en-US" baseline="0" dirty="0" err="1"/>
+              <a:t>iphones</a:t>
+            </a:r>
+            <a:r>
+              <a:rPr lang="en-US" baseline="0" dirty="0"/>
+              <a:t> – or </a:t>
+            </a:r>
+            <a:r>
+              <a:rPr lang="en-US" baseline="0" dirty="0" err="1"/>
+              <a:t>vs</a:t>
+            </a:r>
+            <a:r>
+              <a:rPr lang="en-US" baseline="0" dirty="0"/>
+              <a:t> a sperm whale or 3 elephants</a:t>
+            </a:r>
+            <a:endParaRPr lang="en-US" dirty="0"/>
+          </a:p>
+        </p:txBody>
+      </p:sp>
+      <p:sp>
+        <p:nvSpPr>
+          <p:cNvPr id="4" name="Slide Number Placeholder 3"/>
+          <p:cNvSpPr>
+            <a:spLocks noGrp="1"/>
+          </p:cNvSpPr>
+          <p:nvPr>
+            <p:ph type="sldNum" sz="quarter" idx="10"/>
+          </p:nvPr>
+        </p:nvSpPr>
+        <p:spPr/>
+        <p:txBody>
+          <a:bodyPr/>
+          <a:lstStyle/>
+          <a:p>
+            <a:fld id="{00CF8AD2-6882-4531-8560-2C8EEF2B5B25}" type="slidenum">
+              <a:rPr lang="en-US" smtClean="0"/>
+              <a:pPr/>
+              <a:t>4</a:t>
+            </a:fld>
+            <a:endParaRPr lang="en-US"/>
+          </a:p>
+        </p:txBody>
+      </p:sp>
+    </p:spTree>
+  </p:cSld>
+  <p:clrMapOvr>
+    <a:masterClrMapping/>
+  </p:clrMapOvr>
+</p:notes>
+</file>
+
+<file path=ppt/notesSlides/notesSlide3.xml><?xml version="1.0" encoding="utf-8"?>
+<p:notes xmlns:a="http://schemas.openxmlformats.org/drawingml/2006/main" xmlns:r="http://schemas.openxmlformats.org/officeDocument/2006/relationships" xmlns:p="http://schemas.openxmlformats.org/presentationml/2006/main">
+  <p:cSld>
     <p:bg>
       <p:bgPr>
         <a:solidFill>
@@ -528,7 +832,7 @@
             <a:fld id="{4A63F802-E59E-4480-AB12-5A0E8FB09767}" type="slidenum">
               <a:rPr lang="en-GB" smtClean="0"/>
               <a:pPr defTabSz="963613"/>
-              <a:t>8</a:t>
+              <a:t>14</a:t>
             </a:fld>
             <a:endParaRPr lang="en-GB"/>
           </a:p>
@@ -740,7 +1044,7 @@
           <a:p>
             <a:fld id="{63360F8C-4357-4E56-A67D-405ED6DAECD1}" type="datetimeFigureOut">
               <a:rPr lang="zh-CN" altLang="en-US" smtClean="0"/>
-              <a:t>2020/12/5</a:t>
+              <a:t>2023/9/7</a:t>
             </a:fld>
             <a:endParaRPr lang="zh-CN" altLang="en-US"/>
           </a:p>
@@ -910,7 +1214,7 @@
           <a:p>
             <a:fld id="{63360F8C-4357-4E56-A67D-405ED6DAECD1}" type="datetimeFigureOut">
               <a:rPr lang="zh-CN" altLang="en-US" smtClean="0"/>
-              <a:t>2020/12/5</a:t>
+              <a:t>2023/9/7</a:t>
             </a:fld>
             <a:endParaRPr lang="zh-CN" altLang="en-US"/>
           </a:p>
@@ -1090,7 +1394,7 @@
           <a:p>
             <a:fld id="{63360F8C-4357-4E56-A67D-405ED6DAECD1}" type="datetimeFigureOut">
               <a:rPr lang="zh-CN" altLang="en-US" smtClean="0"/>
-              <a:t>2020/12/5</a:t>
+              <a:t>2023/9/7</a:t>
             </a:fld>
             <a:endParaRPr lang="zh-CN" altLang="en-US"/>
           </a:p>
@@ -1260,7 +1564,7 @@
           <a:p>
             <a:fld id="{63360F8C-4357-4E56-A67D-405ED6DAECD1}" type="datetimeFigureOut">
               <a:rPr lang="zh-CN" altLang="en-US" smtClean="0"/>
-              <a:t>2020/12/5</a:t>
+              <a:t>2023/9/7</a:t>
             </a:fld>
             <a:endParaRPr lang="zh-CN" altLang="en-US"/>
           </a:p>
@@ -1504,7 +1808,7 @@
           <a:p>
             <a:fld id="{63360F8C-4357-4E56-A67D-405ED6DAECD1}" type="datetimeFigureOut">
               <a:rPr lang="zh-CN" altLang="en-US" smtClean="0"/>
-              <a:t>2020/12/5</a:t>
+              <a:t>2023/9/7</a:t>
             </a:fld>
             <a:endParaRPr lang="zh-CN" altLang="en-US"/>
           </a:p>
@@ -1736,7 +2040,7 @@
           <a:p>
             <a:fld id="{63360F8C-4357-4E56-A67D-405ED6DAECD1}" type="datetimeFigureOut">
               <a:rPr lang="zh-CN" altLang="en-US" smtClean="0"/>
-              <a:t>2020/12/5</a:t>
+              <a:t>2023/9/7</a:t>
             </a:fld>
             <a:endParaRPr lang="zh-CN" altLang="en-US"/>
           </a:p>
@@ -2103,7 +2407,7 @@
           <a:p>
             <a:fld id="{63360F8C-4357-4E56-A67D-405ED6DAECD1}" type="datetimeFigureOut">
               <a:rPr lang="zh-CN" altLang="en-US" smtClean="0"/>
-              <a:t>2020/12/5</a:t>
+              <a:t>2023/9/7</a:t>
             </a:fld>
             <a:endParaRPr lang="zh-CN" altLang="en-US"/>
           </a:p>
@@ -2221,7 +2525,7 @@
           <a:p>
             <a:fld id="{63360F8C-4357-4E56-A67D-405ED6DAECD1}" type="datetimeFigureOut">
               <a:rPr lang="zh-CN" altLang="en-US" smtClean="0"/>
-              <a:t>2020/12/5</a:t>
+              <a:t>2023/9/7</a:t>
             </a:fld>
             <a:endParaRPr lang="zh-CN" altLang="en-US"/>
           </a:p>
@@ -2316,7 +2620,7 @@
           <a:p>
             <a:fld id="{63360F8C-4357-4E56-A67D-405ED6DAECD1}" type="datetimeFigureOut">
               <a:rPr lang="zh-CN" altLang="en-US" smtClean="0"/>
-              <a:t>2020/12/5</a:t>
+              <a:t>2023/9/7</a:t>
             </a:fld>
             <a:endParaRPr lang="zh-CN" altLang="en-US"/>
           </a:p>
@@ -2593,7 +2897,7 @@
           <a:p>
             <a:fld id="{63360F8C-4357-4E56-A67D-405ED6DAECD1}" type="datetimeFigureOut">
               <a:rPr lang="zh-CN" altLang="en-US" smtClean="0"/>
-              <a:t>2020/12/5</a:t>
+              <a:t>2023/9/7</a:t>
             </a:fld>
             <a:endParaRPr lang="zh-CN" altLang="en-US"/>
           </a:p>
@@ -2850,7 +3154,7 @@
           <a:p>
             <a:fld id="{63360F8C-4357-4E56-A67D-405ED6DAECD1}" type="datetimeFigureOut">
               <a:rPr lang="zh-CN" altLang="en-US" smtClean="0"/>
-              <a:t>2020/12/5</a:t>
+              <a:t>2023/9/7</a:t>
             </a:fld>
             <a:endParaRPr lang="zh-CN" altLang="en-US"/>
           </a:p>
@@ -3063,7 +3367,7 @@
           <a:p>
             <a:fld id="{63360F8C-4357-4E56-A67D-405ED6DAECD1}" type="datetimeFigureOut">
               <a:rPr lang="zh-CN" altLang="en-US" smtClean="0"/>
-              <a:t>2020/12/5</a:t>
+              <a:t>2023/9/7</a:t>
             </a:fld>
             <a:endParaRPr lang="zh-CN" altLang="en-US"/>
           </a:p>
@@ -3492,7 +3796,7 @@
           <a:p>
             <a:r>
               <a:rPr lang="zh-CN" altLang="en-US" sz="4400" b="1" dirty="0"/>
-              <a:t>大数据存储与应用</a:t>
+              <a:t>大数据存储与处理</a:t>
             </a:r>
             <a:br>
               <a:rPr lang="en-US" altLang="zh-CN" b="1" dirty="0"/>
@@ -3587,7 +3891,7 @@
 </p:sld>
 </file>
 
-<file path=ppt/slides/slide2.xml><?xml version="1.0" encoding="utf-8"?>
+<file path=ppt/slides/slide10.xml><?xml version="1.0" encoding="utf-8"?>
 <p:sld xmlns:a="http://schemas.openxmlformats.org/drawingml/2006/main" xmlns:r="http://schemas.openxmlformats.org/officeDocument/2006/relationships" xmlns:p="http://schemas.openxmlformats.org/presentationml/2006/main">
   <p:cSld>
     <p:spTree>
@@ -3606,7 +3910,13 @@
       </p:grpSpPr>
       <p:sp>
         <p:nvSpPr>
-          <p:cNvPr id="2" name="Title 1"/>
+          <p:cNvPr id="2" name="标题 1">
+            <a:extLst>
+              <a:ext uri="{FF2B5EF4-FFF2-40B4-BE49-F238E27FC236}">
+                <a16:creationId xmlns:a16="http://schemas.microsoft.com/office/drawing/2014/main" id="{85494C82-DA09-A842-9316-C9AD1FACD24C}"/>
+              </a:ext>
+            </a:extLst>
+          </p:cNvPr>
           <p:cNvSpPr>
             <a:spLocks noGrp="1"/>
           </p:cNvSpPr>
@@ -3614,375 +3924,157 @@
             <p:ph type="title"/>
           </p:nvPr>
         </p:nvSpPr>
-        <p:spPr>
-          <a:xfrm>
-            <a:off x="553650" y="152420"/>
-            <a:ext cx="7886700" cy="762634"/>
-          </a:xfrm>
-        </p:spPr>
+        <p:spPr/>
         <p:txBody>
           <a:bodyPr/>
           <a:lstStyle/>
           <a:p>
             <a:r>
+              <a:rPr kumimoji="1" lang="zh-CN" altLang="en-US" dirty="0"/>
+              <a:t>参考：内存性能测试</a:t>
+            </a:r>
+          </a:p>
+        </p:txBody>
+      </p:sp>
+      <p:sp>
+        <p:nvSpPr>
+          <p:cNvPr id="3" name="内容占位符 2">
+            <a:extLst>
+              <a:ext uri="{FF2B5EF4-FFF2-40B4-BE49-F238E27FC236}">
+                <a16:creationId xmlns:a16="http://schemas.microsoft.com/office/drawing/2014/main" id="{C032903A-ABA2-5A46-A6B6-F8BF05797248}"/>
+              </a:ext>
+            </a:extLst>
+          </p:cNvPr>
+          <p:cNvSpPr>
+            <a:spLocks noGrp="1"/>
+          </p:cNvSpPr>
+          <p:nvPr>
+            <p:ph idx="1"/>
+          </p:nvPr>
+        </p:nvSpPr>
+        <p:spPr/>
+        <p:txBody>
+          <a:bodyPr>
+            <a:normAutofit fontScale="70000" lnSpcReduction="20000"/>
+          </a:bodyPr>
+          <a:lstStyle/>
+          <a:p>
+            <a:r>
+              <a:rPr kumimoji="1" lang="en-US" altLang="zh-CN" dirty="0"/>
+              <a:t>UCSD</a:t>
+            </a:r>
+            <a:r>
+              <a:rPr kumimoji="1" lang="zh-CN" altLang="en-US" dirty="0"/>
+              <a:t>大数据课程代码下载</a:t>
+            </a:r>
+            <a:endParaRPr kumimoji="1" lang="en-US" altLang="zh-CN" dirty="0"/>
+          </a:p>
+          <a:p>
+            <a:pPr lvl="1"/>
+            <a:r>
+              <a:rPr kumimoji="1" lang="en-US" altLang="zh-CN" dirty="0">
+                <a:hlinkClick r:id="rId2"/>
+              </a:rPr>
+              <a:t>https://courses.edx.org/courses/course-v1:UCSanDiegoX+DSE230x+3T2019/jump_to/block-v1:UCSanDiegoX+DSE230x+3T2019+type@vertical+block@00b140404598481bace4b814653b9335</a:t>
+            </a:r>
+            <a:endParaRPr kumimoji="1" lang="en-US" altLang="zh-CN" dirty="0"/>
+          </a:p>
+          <a:p>
+            <a:r>
+              <a:rPr kumimoji="1" lang="zh-CN" altLang="en-US" dirty="0"/>
+              <a:t>自学</a:t>
+            </a:r>
+            <a:r>
+              <a:rPr kumimoji="1" lang="en-US" altLang="zh-CN" dirty="0"/>
+              <a:t>UCSD</a:t>
+            </a:r>
+            <a:r>
+              <a:rPr kumimoji="1" lang="zh-CN" altLang="en-US" dirty="0"/>
+              <a:t> </a:t>
+            </a:r>
+            <a:r>
+              <a:rPr kumimoji="1" lang="en-US" altLang="zh-CN" dirty="0"/>
+              <a:t>Memory</a:t>
+            </a:r>
+            <a:r>
+              <a:rPr kumimoji="1" lang="zh-CN" altLang="en-US" dirty="0"/>
+              <a:t> </a:t>
+            </a:r>
+            <a:r>
+              <a:rPr kumimoji="1" lang="en-US" altLang="zh-CN" dirty="0"/>
+              <a:t>Hierarchy</a:t>
+            </a:r>
+            <a:r>
+              <a:rPr kumimoji="1" lang="zh-CN" altLang="en-US" dirty="0"/>
+              <a:t>部分视频，完成每个视频后面的测试题</a:t>
+            </a:r>
+            <a:endParaRPr kumimoji="1" lang="en-US" altLang="zh-CN" dirty="0"/>
+          </a:p>
+          <a:p>
+            <a:pPr lvl="1"/>
+            <a:r>
+              <a:rPr kumimoji="1" lang="en-US" altLang="zh-CN" dirty="0">
+                <a:hlinkClick r:id="rId3"/>
+              </a:rPr>
+              <a:t>https://courses.edx.org/courses/course-v1:UCSanDiegoX+DSE230x+3T2019/jump_to/block-v1:UCSanDiegoX+DSE230x+3T2019+type@vertical+block@ba5936549ab14ff9b55e9d3e7ff7b70e</a:t>
+            </a:r>
+            <a:endParaRPr kumimoji="1" lang="en-US" altLang="zh-CN" dirty="0"/>
+          </a:p>
+          <a:p>
+            <a:r>
+              <a:rPr kumimoji="1" lang="zh-CN" altLang="en-US" dirty="0"/>
+              <a:t>运行</a:t>
+            </a:r>
+            <a:r>
+              <a:rPr kumimoji="1" lang="en-US" altLang="zh-CN" dirty="0"/>
+              <a:t>UCSD</a:t>
+            </a:r>
+            <a:r>
+              <a:rPr kumimoji="1" lang="zh-CN" altLang="en-US" dirty="0"/>
+              <a:t>课程代码，</a:t>
+            </a:r>
+            <a:r>
+              <a:rPr kumimoji="1" lang="en-US" altLang="zh-CN" dirty="0"/>
+              <a:t>2_measuring_performance_of_memory_hierarchy.ipynb</a:t>
+            </a:r>
+            <a:r>
+              <a:rPr kumimoji="1" lang="zh-CN" altLang="en-US" dirty="0"/>
+              <a:t>，完成对本组电脑性能和硬件指标的测量，进行对比分析，提交实验报告</a:t>
+            </a:r>
+            <a:endParaRPr kumimoji="1" lang="en-US" altLang="zh-CN" dirty="0"/>
+          </a:p>
+          <a:p>
+            <a:pPr lvl="1"/>
+            <a:r>
+              <a:rPr kumimoji="1" lang="zh-CN" altLang="en-US" dirty="0"/>
+              <a:t>报告模板：</a:t>
+            </a:r>
+            <a:r>
+              <a:rPr lang="en-US" altLang="zh-CN" dirty="0">
+                <a:hlinkClick r:id="rId4"/>
+              </a:rPr>
+              <a:t>https://docs.google.com/presentation/d/1XvqgINDstiiO_lu-Ke8CJQ7sur_7FcrHH8G_w5yr114/edit#slide=id.p</a:t>
+            </a:r>
+            <a:r>
               <a:rPr lang="zh-CN" altLang="en-US" dirty="0"/>
-              <a:t>存储结构</a:t>
-            </a:r>
-            <a:endParaRPr lang="en-US" dirty="0"/>
-          </a:p>
-        </p:txBody>
-      </p:sp>
-      <p:pic>
-        <p:nvPicPr>
-          <p:cNvPr id="5" name="Picture 4" descr="Barroso-storage.png"/>
-          <p:cNvPicPr>
-            <a:picLocks noChangeAspect="1"/>
-          </p:cNvPicPr>
-          <p:nvPr/>
-        </p:nvPicPr>
-        <p:blipFill>
-          <a:blip r:embed="rId2" cstate="print"/>
-          <a:stretch>
-            <a:fillRect/>
-          </a:stretch>
-        </p:blipFill>
-        <p:spPr>
-          <a:xfrm>
-            <a:off x="-2610" y="915054"/>
-            <a:ext cx="9221152" cy="5942946"/>
-          </a:xfrm>
-          <a:prstGeom prst="rect">
-            <a:avLst/>
-          </a:prstGeom>
-        </p:spPr>
-      </p:pic>
-      <p:sp>
-        <p:nvSpPr>
-          <p:cNvPr id="7" name="TextBox 4"/>
-          <p:cNvSpPr txBox="1">
-            <a:spLocks noChangeArrowheads="1"/>
-          </p:cNvSpPr>
-          <p:nvPr/>
-        </p:nvSpPr>
-        <p:spPr bwMode="auto">
-          <a:xfrm>
-            <a:off x="0" y="6611938"/>
-            <a:ext cx="2157963" cy="246221"/>
-          </a:xfrm>
-          <a:prstGeom prst="rect">
-            <a:avLst/>
-          </a:prstGeom>
-          <a:noFill/>
-          <a:ln w="9525">
-            <a:noFill/>
-            <a:miter lim="800000"/>
-            <a:headEnd/>
-            <a:tailEnd/>
-          </a:ln>
-        </p:spPr>
-        <p:txBody>
-          <a:bodyPr wrap="none">
-            <a:spAutoFit/>
-          </a:bodyPr>
-          <a:lstStyle/>
-          <a:p>
-            <a:r>
-              <a:rPr lang="en-US" sz="1000" b="0" dirty="0"/>
-              <a:t>Source: </a:t>
-            </a:r>
-            <a:r>
-              <a:rPr lang="en-US" sz="1000" b="0" dirty="0" err="1"/>
-              <a:t>Barroso</a:t>
-            </a:r>
-            <a:r>
-              <a:rPr lang="en-US" sz="1000" b="0" dirty="0"/>
-              <a:t> and </a:t>
-            </a:r>
-            <a:r>
-              <a:rPr lang="en-US" sz="1000" b="0" dirty="0" err="1"/>
-              <a:t>Urs</a:t>
-            </a:r>
-            <a:r>
-              <a:rPr lang="en-US" sz="1000" b="0" dirty="0"/>
-              <a:t> </a:t>
-            </a:r>
-            <a:r>
-              <a:rPr lang="en-US" sz="1000" b="0" dirty="0" err="1"/>
-              <a:t>Hölzle</a:t>
-            </a:r>
-            <a:r>
-              <a:rPr lang="en-US" sz="1000" b="0" dirty="0"/>
-              <a:t> (2009)</a:t>
-            </a:r>
-          </a:p>
-        </p:txBody>
-      </p:sp>
-      <p:sp>
-        <p:nvSpPr>
-          <p:cNvPr id="3" name="矩形 2"/>
-          <p:cNvSpPr/>
-          <p:nvPr/>
-        </p:nvSpPr>
-        <p:spPr>
-          <a:xfrm>
-            <a:off x="6069163" y="545802"/>
-            <a:ext cx="1960793" cy="369332"/>
-          </a:xfrm>
-          <a:prstGeom prst="rect">
-            <a:avLst/>
-          </a:prstGeom>
-        </p:spPr>
-        <p:txBody>
-          <a:bodyPr wrap="none">
-            <a:spAutoFit/>
-          </a:bodyPr>
-          <a:lstStyle/>
-          <a:p>
-            <a:r>
-              <a:rPr lang="en-US" altLang="zh-CN" dirty="0">
-                <a:solidFill>
-                  <a:srgbClr val="222222"/>
-                </a:solidFill>
-                <a:latin typeface="Arial" charset="0"/>
-              </a:rPr>
-              <a:t>USB3.1</a:t>
-            </a:r>
-            <a:r>
-              <a:rPr lang="zh-CN" altLang="en-US" dirty="0">
-                <a:solidFill>
-                  <a:srgbClr val="222222"/>
-                </a:solidFill>
-                <a:latin typeface="Arial" charset="0"/>
-              </a:rPr>
-              <a:t> </a:t>
-            </a:r>
-            <a:r>
-              <a:rPr lang="en-US" altLang="zh-CN" dirty="0">
-                <a:solidFill>
-                  <a:srgbClr val="222222"/>
-                </a:solidFill>
-                <a:latin typeface="Arial" charset="0"/>
-              </a:rPr>
-              <a:t>10</a:t>
-            </a:r>
-            <a:r>
-              <a:rPr lang="mr-IN" altLang="zh-CN" dirty="0">
-                <a:solidFill>
-                  <a:srgbClr val="222222"/>
-                </a:solidFill>
-                <a:latin typeface="Arial" charset="0"/>
-              </a:rPr>
-              <a:t> </a:t>
-            </a:r>
-            <a:r>
-              <a:rPr lang="mr-IN" altLang="zh-CN" dirty="0" err="1">
-                <a:solidFill>
-                  <a:srgbClr val="222222"/>
-                </a:solidFill>
-                <a:latin typeface="Arial" charset="0"/>
-              </a:rPr>
-              <a:t>Gbit</a:t>
-            </a:r>
-            <a:r>
-              <a:rPr lang="mr-IN" altLang="zh-CN" dirty="0">
-                <a:solidFill>
-                  <a:srgbClr val="222222"/>
-                </a:solidFill>
-                <a:latin typeface="Arial" charset="0"/>
-              </a:rPr>
-              <a:t>/</a:t>
-            </a:r>
-            <a:r>
-              <a:rPr lang="mr-IN" altLang="zh-CN" dirty="0" err="1">
-                <a:solidFill>
-                  <a:srgbClr val="222222"/>
-                </a:solidFill>
-                <a:latin typeface="Arial" charset="0"/>
-              </a:rPr>
-              <a:t>s</a:t>
-            </a:r>
-            <a:endParaRPr lang="zh-CN" altLang="en-US" dirty="0"/>
-          </a:p>
-        </p:txBody>
-      </p:sp>
-      <p:sp>
-        <p:nvSpPr>
-          <p:cNvPr id="4" name="矩形 3"/>
-          <p:cNvSpPr/>
-          <p:nvPr/>
-        </p:nvSpPr>
-        <p:spPr>
-          <a:xfrm>
-            <a:off x="6069163" y="1016523"/>
-            <a:ext cx="2202526" cy="369332"/>
-          </a:xfrm>
-          <a:prstGeom prst="rect">
-            <a:avLst/>
-          </a:prstGeom>
-        </p:spPr>
-        <p:txBody>
-          <a:bodyPr wrap="none">
-            <a:spAutoFit/>
-          </a:bodyPr>
-          <a:lstStyle/>
-          <a:p>
-            <a:r>
-              <a:rPr lang="mr-IN" altLang="zh-CN" dirty="0">
-                <a:solidFill>
-                  <a:srgbClr val="222222"/>
-                </a:solidFill>
-                <a:latin typeface="Arial" charset="0"/>
-              </a:rPr>
-              <a:t>SATA 3.0 (6 </a:t>
-            </a:r>
-            <a:r>
-              <a:rPr lang="mr-IN" altLang="zh-CN" dirty="0" err="1">
-                <a:solidFill>
-                  <a:srgbClr val="222222"/>
-                </a:solidFill>
-                <a:latin typeface="Arial" charset="0"/>
-              </a:rPr>
-              <a:t>Gbit</a:t>
-            </a:r>
-            <a:r>
-              <a:rPr lang="mr-IN" altLang="zh-CN" dirty="0">
-                <a:solidFill>
-                  <a:srgbClr val="222222"/>
-                </a:solidFill>
-                <a:latin typeface="Arial" charset="0"/>
-              </a:rPr>
-              <a:t>/</a:t>
-            </a:r>
-            <a:r>
-              <a:rPr lang="mr-IN" altLang="zh-CN" dirty="0" err="1">
-                <a:solidFill>
-                  <a:srgbClr val="222222"/>
-                </a:solidFill>
-                <a:latin typeface="Arial" charset="0"/>
-              </a:rPr>
-              <a:t>s</a:t>
-            </a:r>
-            <a:r>
-              <a:rPr lang="mr-IN" altLang="zh-CN" dirty="0">
-                <a:solidFill>
-                  <a:srgbClr val="222222"/>
-                </a:solidFill>
-                <a:latin typeface="Arial" charset="0"/>
-              </a:rPr>
-              <a:t>) </a:t>
-            </a:r>
-            <a:endParaRPr lang="zh-CN" altLang="en-US" dirty="0"/>
-          </a:p>
-        </p:txBody>
-      </p:sp>
-      <p:sp>
-        <p:nvSpPr>
-          <p:cNvPr id="6" name="矩形 5"/>
-          <p:cNvSpPr/>
-          <p:nvPr/>
-        </p:nvSpPr>
-        <p:spPr>
-          <a:xfrm>
-            <a:off x="4957928" y="2917030"/>
-            <a:ext cx="4183261" cy="646331"/>
-          </a:xfrm>
-          <a:prstGeom prst="rect">
-            <a:avLst/>
-          </a:prstGeom>
-        </p:spPr>
-        <p:txBody>
-          <a:bodyPr wrap="none">
-            <a:spAutoFit/>
-          </a:bodyPr>
-          <a:lstStyle/>
-          <a:p>
-            <a:r>
-              <a:rPr lang="en-US" altLang="zh-CN" dirty="0">
-                <a:solidFill>
-                  <a:srgbClr val="000000"/>
-                </a:solidFill>
-                <a:latin typeface="Arial" charset="0"/>
-              </a:rPr>
-              <a:t>SSD</a:t>
-            </a:r>
-            <a:r>
-              <a:rPr lang="zh-CN" altLang="en-US" dirty="0">
-                <a:solidFill>
-                  <a:srgbClr val="000000"/>
-                </a:solidFill>
-                <a:latin typeface="Arial" charset="0"/>
-              </a:rPr>
-              <a:t>：</a:t>
-            </a:r>
-            <a:r>
-              <a:rPr lang="pl-PL" altLang="zh-CN" dirty="0">
-                <a:solidFill>
-                  <a:srgbClr val="000000"/>
-                </a:solidFill>
-                <a:latin typeface="Arial" charset="0"/>
-              </a:rPr>
-              <a:t>200 MB/s to 2500 MB/s</a:t>
-            </a:r>
-            <a:endParaRPr lang="zh-CN" altLang="en-US" dirty="0">
-              <a:solidFill>
-                <a:srgbClr val="000000"/>
-              </a:solidFill>
-              <a:latin typeface="Arial" charset="0"/>
-            </a:endParaRPr>
-          </a:p>
-          <a:p>
-            <a:r>
-              <a:rPr lang="en-US" altLang="zh-CN" dirty="0"/>
-              <a:t>Random</a:t>
-            </a:r>
-            <a:r>
-              <a:rPr lang="zh-CN" altLang="en-US" dirty="0"/>
-              <a:t> </a:t>
-            </a:r>
-            <a:r>
-              <a:rPr lang="en-US" altLang="zh-CN" dirty="0"/>
-              <a:t>Access</a:t>
-            </a:r>
-            <a:r>
-              <a:rPr lang="zh-CN" altLang="en-US" dirty="0"/>
-              <a:t> </a:t>
-            </a:r>
-            <a:r>
-              <a:rPr lang="en-US" altLang="zh-CN" dirty="0"/>
-              <a:t>Time</a:t>
-            </a:r>
-            <a:r>
-              <a:rPr lang="zh-CN" altLang="en-US" dirty="0"/>
-              <a:t>：</a:t>
-            </a:r>
-            <a:r>
-              <a:rPr lang="en-US" altLang="zh-CN" dirty="0"/>
-              <a:t>0.1ms</a:t>
-            </a:r>
-            <a:r>
-              <a:rPr lang="zh-CN" altLang="en-US" dirty="0"/>
-              <a:t> </a:t>
-            </a:r>
-            <a:r>
-              <a:rPr lang="en-US" altLang="zh-CN" dirty="0"/>
-              <a:t>vs</a:t>
-            </a:r>
-            <a:r>
-              <a:rPr lang="zh-CN" altLang="en-US" dirty="0"/>
-              <a:t> </a:t>
-            </a:r>
-            <a:r>
-              <a:rPr lang="en-US" altLang="zh-CN" dirty="0"/>
-              <a:t>2.9-12ms</a:t>
-            </a:r>
-            <a:endParaRPr lang="zh-CN" altLang="en-US" dirty="0"/>
+              <a:t> ）</a:t>
+            </a:r>
+            <a:endParaRPr lang="en-US" altLang="zh-CN" dirty="0"/>
+          </a:p>
+          <a:p>
+            <a:pPr lvl="1"/>
+            <a:endParaRPr lang="en-US" altLang="zh-CN" dirty="0"/>
+          </a:p>
+          <a:p>
+            <a:pPr lvl="1"/>
+            <a:endParaRPr kumimoji="1" lang="zh-CN" altLang="en-US" dirty="0"/>
           </a:p>
         </p:txBody>
       </p:sp>
     </p:spTree>
     <p:extLst>
       <p:ext uri="{BB962C8B-B14F-4D97-AF65-F5344CB8AC3E}">
-        <p14:creationId xmlns:p14="http://schemas.microsoft.com/office/powerpoint/2010/main" val="4138390957"/>
+        <p14:creationId xmlns:p14="http://schemas.microsoft.com/office/powerpoint/2010/main" val="4232572253"/>
       </p:ext>
     </p:extLst>
   </p:cSld>
@@ -3992,7 +4084,7 @@
 </p:sld>
 </file>
 
-<file path=ppt/slides/slide3.xml><?xml version="1.0" encoding="utf-8"?>
+<file path=ppt/slides/slide11.xml><?xml version="1.0" encoding="utf-8"?>
 <p:sld xmlns:a="http://schemas.openxmlformats.org/drawingml/2006/main" xmlns:r="http://schemas.openxmlformats.org/officeDocument/2006/relationships" xmlns:p="http://schemas.openxmlformats.org/presentationml/2006/main">
   <p:cSld>
     <p:spTree>
@@ -4011,7 +4103,7 @@
       </p:grpSpPr>
       <p:sp>
         <p:nvSpPr>
-          <p:cNvPr id="2" name="Title 1"/>
+          <p:cNvPr id="2" name="标题 1"/>
           <p:cNvSpPr>
             <a:spLocks noGrp="1"/>
           </p:cNvSpPr>
@@ -4019,311 +4111,63 @@
             <p:ph type="title"/>
           </p:nvPr>
         </p:nvSpPr>
-        <p:spPr>
-          <a:xfrm>
-            <a:off x="308610" y="-256073"/>
-            <a:ext cx="7886700" cy="1325563"/>
-          </a:xfrm>
-        </p:spPr>
+        <p:spPr/>
         <p:txBody>
           <a:bodyPr/>
           <a:lstStyle/>
           <a:p>
             <a:r>
               <a:rPr lang="zh-CN" altLang="en-US" dirty="0"/>
-              <a:t>各种存储的容量和性能</a:t>
-            </a:r>
-            <a:endParaRPr lang="en-US" dirty="0"/>
-          </a:p>
-        </p:txBody>
-      </p:sp>
-      <p:pic>
-        <p:nvPicPr>
-          <p:cNvPr id="4" name="Picture 3" descr="Barroso-storage-graph.png"/>
-          <p:cNvPicPr>
-            <a:picLocks noChangeAspect="1"/>
-          </p:cNvPicPr>
-          <p:nvPr/>
-        </p:nvPicPr>
-        <p:blipFill>
-          <a:blip r:embed="rId2" cstate="print"/>
-          <a:stretch>
-            <a:fillRect/>
-          </a:stretch>
-        </p:blipFill>
-        <p:spPr>
-          <a:xfrm>
-            <a:off x="0" y="914400"/>
-            <a:ext cx="9144000" cy="5941030"/>
-          </a:xfrm>
-          <a:prstGeom prst="rect">
-            <a:avLst/>
-          </a:prstGeom>
-        </p:spPr>
-      </p:pic>
-      <p:cxnSp>
-        <p:nvCxnSpPr>
-          <p:cNvPr id="6" name="Straight Connector 5"/>
-          <p:cNvCxnSpPr/>
-          <p:nvPr/>
-        </p:nvCxnSpPr>
-        <p:spPr bwMode="auto">
-          <a:xfrm rot="5400000" flipH="1" flipV="1">
-            <a:off x="1828800" y="3581400"/>
-            <a:ext cx="3810000" cy="0"/>
-          </a:xfrm>
-          <a:prstGeom prst="line">
-            <a:avLst/>
-          </a:prstGeom>
-          <a:solidFill>
-            <a:schemeClr val="accent1"/>
-          </a:solidFill>
-          <a:ln w="28575" cap="flat" cmpd="sng" algn="ctr">
-            <a:solidFill>
-              <a:schemeClr val="bg1"/>
-            </a:solidFill>
-            <a:prstDash val="solid"/>
-            <a:round/>
-            <a:headEnd type="none" w="med" len="med"/>
-            <a:tailEnd type="none" w="med" len="med"/>
-          </a:ln>
-          <a:effectLst/>
-        </p:spPr>
-      </p:cxnSp>
-      <p:cxnSp>
-        <p:nvCxnSpPr>
-          <p:cNvPr id="8" name="Straight Connector 7"/>
-          <p:cNvCxnSpPr/>
-          <p:nvPr/>
-        </p:nvCxnSpPr>
-        <p:spPr bwMode="auto">
-          <a:xfrm rot="5400000" flipH="1" flipV="1">
-            <a:off x="3886200" y="3581400"/>
-            <a:ext cx="3810000" cy="0"/>
-          </a:xfrm>
-          <a:prstGeom prst="line">
-            <a:avLst/>
-          </a:prstGeom>
-          <a:solidFill>
-            <a:schemeClr val="accent1"/>
-          </a:solidFill>
-          <a:ln w="28575" cap="flat" cmpd="sng" algn="ctr">
-            <a:solidFill>
-              <a:schemeClr val="bg1"/>
-            </a:solidFill>
-            <a:prstDash val="solid"/>
-            <a:round/>
-            <a:headEnd type="none" w="med" len="med"/>
-            <a:tailEnd type="none" w="med" len="med"/>
-          </a:ln>
-          <a:effectLst/>
-        </p:spPr>
-      </p:cxnSp>
-      <p:sp>
-        <p:nvSpPr>
-          <p:cNvPr id="9" name="TextBox 4"/>
-          <p:cNvSpPr txBox="1">
-            <a:spLocks noChangeArrowheads="1"/>
-          </p:cNvSpPr>
-          <p:nvPr/>
-        </p:nvSpPr>
-        <p:spPr bwMode="auto">
-          <a:xfrm>
-            <a:off x="0" y="6611938"/>
-            <a:ext cx="2383986" cy="246221"/>
-          </a:xfrm>
-          <a:prstGeom prst="rect">
-            <a:avLst/>
-          </a:prstGeom>
-          <a:noFill/>
-          <a:ln w="9525">
-            <a:noFill/>
-            <a:miter lim="800000"/>
-            <a:headEnd/>
-            <a:tailEnd/>
-          </a:ln>
-        </p:spPr>
-        <p:txBody>
-          <a:bodyPr wrap="none">
-            <a:spAutoFit/>
-          </a:bodyPr>
-          <a:lstStyle/>
-          <a:p>
-            <a:r>
-              <a:rPr lang="en-US" sz="1000" b="0" dirty="0">
-                <a:solidFill>
-                  <a:schemeClr val="bg1"/>
-                </a:solidFill>
-              </a:rPr>
-              <a:t>Source: </a:t>
-            </a:r>
-            <a:r>
-              <a:rPr lang="en-US" sz="1000" b="0" dirty="0" err="1">
-                <a:solidFill>
-                  <a:schemeClr val="bg1"/>
-                </a:solidFill>
-              </a:rPr>
-              <a:t>Barroso</a:t>
-            </a:r>
-            <a:r>
-              <a:rPr lang="en-US" sz="1000" b="0" dirty="0">
-                <a:solidFill>
-                  <a:schemeClr val="bg1"/>
-                </a:solidFill>
-              </a:rPr>
-              <a:t> and </a:t>
-            </a:r>
-            <a:r>
-              <a:rPr lang="en-US" sz="1000" b="0" dirty="0" err="1">
-                <a:solidFill>
-                  <a:schemeClr val="bg1"/>
-                </a:solidFill>
-              </a:rPr>
-              <a:t>Urs</a:t>
-            </a:r>
-            <a:r>
-              <a:rPr lang="en-US" sz="1000" b="0" dirty="0">
-                <a:solidFill>
-                  <a:schemeClr val="bg1"/>
-                </a:solidFill>
-              </a:rPr>
-              <a:t> </a:t>
-            </a:r>
-            <a:r>
-              <a:rPr lang="en-US" sz="1000" b="0" dirty="0" err="1">
-                <a:solidFill>
-                  <a:schemeClr val="bg1"/>
-                </a:solidFill>
-              </a:rPr>
-              <a:t>Hölzle</a:t>
-            </a:r>
-            <a:r>
-              <a:rPr lang="en-US" sz="1000" b="0" dirty="0">
-                <a:solidFill>
-                  <a:schemeClr val="bg1"/>
-                </a:solidFill>
-              </a:rPr>
-              <a:t> (2009)</a:t>
-            </a:r>
+              <a:t>分布式文件系统</a:t>
+            </a:r>
+          </a:p>
+        </p:txBody>
+      </p:sp>
+      <p:sp>
+        <p:nvSpPr>
+          <p:cNvPr id="3" name="文本占位符 2"/>
+          <p:cNvSpPr>
+            <a:spLocks noGrp="1"/>
+          </p:cNvSpPr>
+          <p:nvPr>
+            <p:ph type="body" idx="1"/>
+          </p:nvPr>
+        </p:nvSpPr>
+        <p:spPr/>
+        <p:txBody>
+          <a:bodyPr/>
+          <a:lstStyle/>
+          <a:p>
+            <a:r>
+              <a:rPr lang="en-US" altLang="zh-CN" dirty="0"/>
+              <a:t>DFS</a:t>
+            </a:r>
+            <a:r>
+              <a:rPr lang="zh-CN" altLang="en-US" dirty="0"/>
+              <a:t>：</a:t>
+            </a:r>
+            <a:r>
+              <a:rPr lang="en-US" altLang="zh-CN" dirty="0"/>
+              <a:t>Distributed File Sys</a:t>
+            </a:r>
+            <a:endParaRPr lang="zh-CN" altLang="en-US" dirty="0"/>
           </a:p>
         </p:txBody>
       </p:sp>
     </p:spTree>
     <p:extLst>
       <p:ext uri="{BB962C8B-B14F-4D97-AF65-F5344CB8AC3E}">
-        <p14:creationId xmlns:p14="http://schemas.microsoft.com/office/powerpoint/2010/main" val="688340376"/>
+        <p14:creationId xmlns:p14="http://schemas.microsoft.com/office/powerpoint/2010/main" val="1771988123"/>
       </p:ext>
     </p:extLst>
   </p:cSld>
   <p:clrMapOvr>
     <a:masterClrMapping/>
   </p:clrMapOvr>
-  <p:timing>
-    <p:tnLst>
-      <p:par>
-        <p:cTn id="1" dur="indefinite" restart="never" nodeType="tmRoot">
-          <p:childTnLst>
-            <p:seq concurrent="1" nextAc="seek">
-              <p:cTn id="2" dur="indefinite" nodeType="mainSeq">
-                <p:childTnLst>
-                  <p:par>
-                    <p:cTn id="3" fill="hold">
-                      <p:stCondLst>
-                        <p:cond delay="indefinite"/>
-                      </p:stCondLst>
-                      <p:childTnLst>
-                        <p:par>
-                          <p:cTn id="4" fill="hold">
-                            <p:stCondLst>
-                              <p:cond delay="0"/>
-                            </p:stCondLst>
-                            <p:childTnLst>
-                              <p:par>
-                                <p:cTn id="5" presetID="1" presetClass="entr" presetSubtype="0" fill="hold" nodeType="clickEffect">
-                                  <p:stCondLst>
-                                    <p:cond delay="0"/>
-                                  </p:stCondLst>
-                                  <p:childTnLst>
-                                    <p:set>
-                                      <p:cBhvr>
-                                        <p:cTn id="6" dur="1" fill="hold">
-                                          <p:stCondLst>
-                                            <p:cond delay="0"/>
-                                          </p:stCondLst>
-                                        </p:cTn>
-                                        <p:tgtEl>
-                                          <p:spTgt spid="6"/>
-                                        </p:tgtEl>
-                                        <p:attrNameLst>
-                                          <p:attrName>style.visibility</p:attrName>
-                                        </p:attrNameLst>
-                                      </p:cBhvr>
-                                      <p:to>
-                                        <p:strVal val="visible"/>
-                                      </p:to>
-                                    </p:set>
-                                  </p:childTnLst>
-                                </p:cTn>
-                              </p:par>
-                              <p:par>
-                                <p:cTn id="7" presetID="1" presetClass="entr" presetSubtype="0" fill="hold" nodeType="withEffect">
-                                  <p:stCondLst>
-                                    <p:cond delay="0"/>
-                                  </p:stCondLst>
-                                  <p:childTnLst>
-                                    <p:set>
-                                      <p:cBhvr>
-                                        <p:cTn id="8" dur="1" fill="hold">
-                                          <p:stCondLst>
-                                            <p:cond delay="0"/>
-                                          </p:stCondLst>
-                                        </p:cTn>
-                                        <p:tgtEl>
-                                          <p:spTgt spid="8"/>
-                                        </p:tgtEl>
-                                        <p:attrNameLst>
-                                          <p:attrName>style.visibility</p:attrName>
-                                        </p:attrNameLst>
-                                      </p:cBhvr>
-                                      <p:to>
-                                        <p:strVal val="visible"/>
-                                      </p:to>
-                                    </p:set>
-                                  </p:childTnLst>
-                                </p:cTn>
-                              </p:par>
-                            </p:childTnLst>
-                          </p:cTn>
-                        </p:par>
-                      </p:childTnLst>
-                    </p:cTn>
-                  </p:par>
-                </p:childTnLst>
-              </p:cTn>
-              <p:prevCondLst>
-                <p:cond evt="onPrev" delay="0">
-                  <p:tgtEl>
-                    <p:sldTgt/>
-                  </p:tgtEl>
-                </p:cond>
-              </p:prevCondLst>
-              <p:nextCondLst>
-                <p:cond evt="onNext" delay="0">
-                  <p:tgtEl>
-                    <p:sldTgt/>
-                  </p:tgtEl>
-                </p:cond>
-              </p:nextCondLst>
-            </p:seq>
-          </p:childTnLst>
-        </p:cTn>
-      </p:par>
-    </p:tnLst>
-  </p:timing>
 </p:sld>
 </file>
 
-<file path=ppt/slides/slide4.xml><?xml version="1.0" encoding="utf-8"?>
+<file path=ppt/slides/slide12.xml><?xml version="1.0" encoding="utf-8"?>
 <p:sld xmlns:a="http://schemas.openxmlformats.org/drawingml/2006/main" xmlns:r="http://schemas.openxmlformats.org/officeDocument/2006/relationships" xmlns:p="http://schemas.openxmlformats.org/presentationml/2006/main">
   <p:cSld>
     <p:spTree>
@@ -4342,313 +4186,6 @@
       </p:grpSpPr>
       <p:sp>
         <p:nvSpPr>
-          <p:cNvPr id="2" name="标题 1">
-            <a:extLst>
-              <a:ext uri="{FF2B5EF4-FFF2-40B4-BE49-F238E27FC236}">
-                <a16:creationId xmlns:a16="http://schemas.microsoft.com/office/drawing/2014/main" id="{85494C82-DA09-A842-9316-C9AD1FACD24C}"/>
-              </a:ext>
-            </a:extLst>
-          </p:cNvPr>
-          <p:cNvSpPr>
-            <a:spLocks noGrp="1"/>
-          </p:cNvSpPr>
-          <p:nvPr>
-            <p:ph type="title"/>
-          </p:nvPr>
-        </p:nvSpPr>
-        <p:spPr/>
-        <p:txBody>
-          <a:bodyPr/>
-          <a:lstStyle/>
-          <a:p>
-            <a:r>
-              <a:rPr kumimoji="1" lang="zh-CN" altLang="en-US" dirty="0"/>
-              <a:t>作业</a:t>
-            </a:r>
-            <a:r>
-              <a:rPr kumimoji="1" lang="en-US" altLang="zh-CN" dirty="0"/>
-              <a:t>1</a:t>
-            </a:r>
-            <a:r>
-              <a:rPr kumimoji="1" lang="zh-CN" altLang="en-US" dirty="0"/>
-              <a:t>：内存性能测试</a:t>
-            </a:r>
-          </a:p>
-        </p:txBody>
-      </p:sp>
-      <p:sp>
-        <p:nvSpPr>
-          <p:cNvPr id="3" name="内容占位符 2">
-            <a:extLst>
-              <a:ext uri="{FF2B5EF4-FFF2-40B4-BE49-F238E27FC236}">
-                <a16:creationId xmlns:a16="http://schemas.microsoft.com/office/drawing/2014/main" id="{C032903A-ABA2-5A46-A6B6-F8BF05797248}"/>
-              </a:ext>
-            </a:extLst>
-          </p:cNvPr>
-          <p:cNvSpPr>
-            <a:spLocks noGrp="1"/>
-          </p:cNvSpPr>
-          <p:nvPr>
-            <p:ph idx="1"/>
-          </p:nvPr>
-        </p:nvSpPr>
-        <p:spPr/>
-        <p:txBody>
-          <a:bodyPr>
-            <a:normAutofit fontScale="70000" lnSpcReduction="20000"/>
-          </a:bodyPr>
-          <a:lstStyle/>
-          <a:p>
-            <a:r>
-              <a:rPr kumimoji="1" lang="en-US" altLang="zh-CN" dirty="0"/>
-              <a:t>UCSD</a:t>
-            </a:r>
-            <a:r>
-              <a:rPr kumimoji="1" lang="zh-CN" altLang="en-US" dirty="0"/>
-              <a:t>大数据课程代码下载</a:t>
-            </a:r>
-            <a:endParaRPr kumimoji="1" lang="en-US" altLang="zh-CN" dirty="0"/>
-          </a:p>
-          <a:p>
-            <a:pPr lvl="1"/>
-            <a:r>
-              <a:rPr kumimoji="1" lang="en-US" altLang="zh-CN" dirty="0">
-                <a:hlinkClick r:id="rId2"/>
-              </a:rPr>
-              <a:t>https://courses.edx.org/courses/course-v1:UCSanDiegoX+DSE230x+3T2019/jump_to/block-v1:UCSanDiegoX+DSE230x+3T2019+type@vertical+block@00b140404598481bace4b814653b9335</a:t>
-            </a:r>
-            <a:endParaRPr kumimoji="1" lang="en-US" altLang="zh-CN" dirty="0"/>
-          </a:p>
-          <a:p>
-            <a:r>
-              <a:rPr kumimoji="1" lang="zh-CN" altLang="en-US" dirty="0"/>
-              <a:t>自学</a:t>
-            </a:r>
-            <a:r>
-              <a:rPr kumimoji="1" lang="en-US" altLang="zh-CN" dirty="0"/>
-              <a:t>UCSD</a:t>
-            </a:r>
-            <a:r>
-              <a:rPr kumimoji="1" lang="zh-CN" altLang="en-US" dirty="0"/>
-              <a:t> </a:t>
-            </a:r>
-            <a:r>
-              <a:rPr kumimoji="1" lang="en-US" altLang="zh-CN" dirty="0"/>
-              <a:t>Memory</a:t>
-            </a:r>
-            <a:r>
-              <a:rPr kumimoji="1" lang="zh-CN" altLang="en-US" dirty="0"/>
-              <a:t> </a:t>
-            </a:r>
-            <a:r>
-              <a:rPr kumimoji="1" lang="en-US" altLang="zh-CN" dirty="0"/>
-              <a:t>Hierarchy</a:t>
-            </a:r>
-            <a:r>
-              <a:rPr kumimoji="1" lang="zh-CN" altLang="en-US" dirty="0"/>
-              <a:t>部分视频，完成每个视频后面的测试题</a:t>
-            </a:r>
-            <a:endParaRPr kumimoji="1" lang="en-US" altLang="zh-CN" dirty="0"/>
-          </a:p>
-          <a:p>
-            <a:pPr lvl="1"/>
-            <a:r>
-              <a:rPr kumimoji="1" lang="en-US" altLang="zh-CN" dirty="0">
-                <a:hlinkClick r:id="rId3"/>
-              </a:rPr>
-              <a:t>https://courses.edx.org/courses/course-v1:UCSanDiegoX+DSE230x+3T2019/jump_to/block-v1:UCSanDiegoX+DSE230x+3T2019+type@vertical+block@ba5936549ab14ff9b55e9d3e7ff7b70e</a:t>
-            </a:r>
-            <a:endParaRPr kumimoji="1" lang="en-US" altLang="zh-CN" dirty="0"/>
-          </a:p>
-          <a:p>
-            <a:r>
-              <a:rPr kumimoji="1" lang="zh-CN" altLang="en-US" dirty="0"/>
-              <a:t>运行</a:t>
-            </a:r>
-            <a:r>
-              <a:rPr kumimoji="1" lang="en-US" altLang="zh-CN" dirty="0"/>
-              <a:t>UCSD</a:t>
-            </a:r>
-            <a:r>
-              <a:rPr kumimoji="1" lang="zh-CN" altLang="en-US" dirty="0"/>
-              <a:t>课程代码，</a:t>
-            </a:r>
-            <a:r>
-              <a:rPr kumimoji="1" lang="en-US" altLang="zh-CN" dirty="0"/>
-              <a:t>2_measuring_performance_of_memory_hierarchy.ipynb</a:t>
-            </a:r>
-            <a:r>
-              <a:rPr kumimoji="1" lang="zh-CN" altLang="en-US" dirty="0"/>
-              <a:t>，完成对本组电脑性能和硬件指标的测量，进行对比分析，提交实验报告</a:t>
-            </a:r>
-            <a:endParaRPr kumimoji="1" lang="en-US" altLang="zh-CN" dirty="0"/>
-          </a:p>
-          <a:p>
-            <a:pPr lvl="1"/>
-            <a:r>
-              <a:rPr kumimoji="1" lang="zh-CN" altLang="en-US" dirty="0"/>
-              <a:t>报告模板：</a:t>
-            </a:r>
-            <a:r>
-              <a:rPr lang="en-US" altLang="zh-CN" dirty="0">
-                <a:hlinkClick r:id="rId4"/>
-              </a:rPr>
-              <a:t>https://docs.google.com/presentation/d/1XvqgINDstiiO_lu-Ke8CJQ7sur_7FcrHH8G_w5yr114/edit#slide=id.p</a:t>
-            </a:r>
-            <a:r>
-              <a:rPr lang="zh-CN" altLang="en-US" dirty="0"/>
-              <a:t> ）</a:t>
-            </a:r>
-            <a:endParaRPr lang="en-US" altLang="zh-CN" dirty="0"/>
-          </a:p>
-          <a:p>
-            <a:r>
-              <a:rPr lang="zh-CN" altLang="en-US" dirty="0"/>
-              <a:t>注：</a:t>
-            </a:r>
-            <a:r>
-              <a:rPr lang="en-US" altLang="zh-CN" dirty="0" err="1"/>
-              <a:t>edx</a:t>
-            </a:r>
-            <a:r>
-              <a:rPr lang="zh-CN" altLang="en-US" dirty="0"/>
-              <a:t>访问不稳定，可能需要采用</a:t>
-            </a:r>
-            <a:r>
-              <a:rPr lang="en-US" altLang="zh-CN" dirty="0"/>
-              <a:t>IPv6</a:t>
-            </a:r>
-            <a:r>
-              <a:rPr lang="zh-CN" altLang="en-US" dirty="0"/>
-              <a:t>或者其他方法访问</a:t>
-            </a:r>
-            <a:endParaRPr lang="en-US" altLang="zh-CN" dirty="0"/>
-          </a:p>
-          <a:p>
-            <a:pPr lvl="1"/>
-            <a:endParaRPr lang="en-US" altLang="zh-CN" dirty="0"/>
-          </a:p>
-          <a:p>
-            <a:pPr lvl="1"/>
-            <a:endParaRPr kumimoji="1" lang="zh-CN" altLang="en-US" dirty="0"/>
-          </a:p>
-        </p:txBody>
-      </p:sp>
-    </p:spTree>
-    <p:extLst>
-      <p:ext uri="{BB962C8B-B14F-4D97-AF65-F5344CB8AC3E}">
-        <p14:creationId xmlns:p14="http://schemas.microsoft.com/office/powerpoint/2010/main" val="4232572253"/>
-      </p:ext>
-    </p:extLst>
-  </p:cSld>
-  <p:clrMapOvr>
-    <a:masterClrMapping/>
-  </p:clrMapOvr>
-</p:sld>
-</file>
-
-<file path=ppt/slides/slide5.xml><?xml version="1.0" encoding="utf-8"?>
-<p:sld xmlns:a="http://schemas.openxmlformats.org/drawingml/2006/main" xmlns:r="http://schemas.openxmlformats.org/officeDocument/2006/relationships" xmlns:p="http://schemas.openxmlformats.org/presentationml/2006/main">
-  <p:cSld>
-    <p:spTree>
-      <p:nvGrpSpPr>
-        <p:cNvPr id="1" name=""/>
-        <p:cNvGrpSpPr/>
-        <p:nvPr/>
-      </p:nvGrpSpPr>
-      <p:grpSpPr>
-        <a:xfrm>
-          <a:off x="0" y="0"/>
-          <a:ext cx="0" cy="0"/>
-          <a:chOff x="0" y="0"/>
-          <a:chExt cx="0" cy="0"/>
-        </a:xfrm>
-      </p:grpSpPr>
-      <p:sp>
-        <p:nvSpPr>
-          <p:cNvPr id="2" name="标题 1"/>
-          <p:cNvSpPr>
-            <a:spLocks noGrp="1"/>
-          </p:cNvSpPr>
-          <p:nvPr>
-            <p:ph type="title"/>
-          </p:nvPr>
-        </p:nvSpPr>
-        <p:spPr/>
-        <p:txBody>
-          <a:bodyPr/>
-          <a:lstStyle/>
-          <a:p>
-            <a:r>
-              <a:rPr lang="zh-CN" altLang="en-US" dirty="0"/>
-              <a:t>分布式文件系统</a:t>
-            </a:r>
-          </a:p>
-        </p:txBody>
-      </p:sp>
-      <p:sp>
-        <p:nvSpPr>
-          <p:cNvPr id="3" name="文本占位符 2"/>
-          <p:cNvSpPr>
-            <a:spLocks noGrp="1"/>
-          </p:cNvSpPr>
-          <p:nvPr>
-            <p:ph type="body" idx="1"/>
-          </p:nvPr>
-        </p:nvSpPr>
-        <p:spPr/>
-        <p:txBody>
-          <a:bodyPr/>
-          <a:lstStyle/>
-          <a:p>
-            <a:r>
-              <a:rPr lang="en-US" altLang="zh-CN" dirty="0"/>
-              <a:t>DFS</a:t>
-            </a:r>
-            <a:r>
-              <a:rPr lang="zh-CN" altLang="en-US" dirty="0"/>
-              <a:t>：</a:t>
-            </a:r>
-            <a:r>
-              <a:rPr lang="en-US" altLang="zh-CN" dirty="0"/>
-              <a:t>Distributed File Sys</a:t>
-            </a:r>
-            <a:endParaRPr lang="zh-CN" altLang="en-US" dirty="0"/>
-          </a:p>
-        </p:txBody>
-      </p:sp>
-    </p:spTree>
-    <p:extLst>
-      <p:ext uri="{BB962C8B-B14F-4D97-AF65-F5344CB8AC3E}">
-        <p14:creationId xmlns:p14="http://schemas.microsoft.com/office/powerpoint/2010/main" val="1771988123"/>
-      </p:ext>
-    </p:extLst>
-  </p:cSld>
-  <p:clrMapOvr>
-    <a:masterClrMapping/>
-  </p:clrMapOvr>
-</p:sld>
-</file>
-
-<file path=ppt/slides/slide6.xml><?xml version="1.0" encoding="utf-8"?>
-<p:sld xmlns:a="http://schemas.openxmlformats.org/drawingml/2006/main" xmlns:r="http://schemas.openxmlformats.org/officeDocument/2006/relationships" xmlns:p="http://schemas.openxmlformats.org/presentationml/2006/main">
-  <p:cSld>
-    <p:spTree>
-      <p:nvGrpSpPr>
-        <p:cNvPr id="1" name=""/>
-        <p:cNvGrpSpPr/>
-        <p:nvPr/>
-      </p:nvGrpSpPr>
-      <p:grpSpPr>
-        <a:xfrm>
-          <a:off x="0" y="0"/>
-          <a:ext cx="0" cy="0"/>
-          <a:chOff x="0" y="0"/>
-          <a:chExt cx="0" cy="0"/>
-        </a:xfrm>
-      </p:grpSpPr>
-      <p:sp>
-        <p:nvSpPr>
           <p:cNvPr id="2" name="标题 1"/>
           <p:cNvSpPr>
             <a:spLocks noGrp="1"/>
@@ -4781,7 +4318,7 @@
 </p:sld>
 </file>
 
-<file path=ppt/slides/slide7.xml><?xml version="1.0" encoding="utf-8"?>
+<file path=ppt/slides/slide13.xml><?xml version="1.0" encoding="utf-8"?>
 <p:sld xmlns:a="http://schemas.openxmlformats.org/drawingml/2006/main" xmlns:r="http://schemas.openxmlformats.org/officeDocument/2006/relationships" xmlns:p="http://schemas.openxmlformats.org/presentationml/2006/main">
   <p:cSld>
     <p:spTree>
@@ -4940,7 +4477,7 @@
 </p:sld>
 </file>
 
-<file path=ppt/slides/slide8.xml><?xml version="1.0" encoding="utf-8"?>
+<file path=ppt/slides/slide14.xml><?xml version="1.0" encoding="utf-8"?>
 <p:sld xmlns:a="http://schemas.openxmlformats.org/drawingml/2006/main" xmlns:r="http://schemas.openxmlformats.org/officeDocument/2006/relationships" xmlns:p="http://schemas.openxmlformats.org/presentationml/2006/main">
   <p:cSld>
     <p:spTree>
@@ -8200,6 +7737,1943 @@
 </p:sld>
 </file>
 
+<file path=ppt/slides/slide2.xml><?xml version="1.0" encoding="utf-8"?>
+<p:sld xmlns:a="http://schemas.openxmlformats.org/drawingml/2006/main" xmlns:r="http://schemas.openxmlformats.org/officeDocument/2006/relationships" xmlns:p="http://schemas.openxmlformats.org/presentationml/2006/main">
+  <p:cSld>
+    <p:spTree>
+      <p:nvGrpSpPr>
+        <p:cNvPr id="1" name=""/>
+        <p:cNvGrpSpPr/>
+        <p:nvPr/>
+      </p:nvGrpSpPr>
+      <p:grpSpPr>
+        <a:xfrm>
+          <a:off x="0" y="0"/>
+          <a:ext cx="0" cy="0"/>
+          <a:chOff x="0" y="0"/>
+          <a:chExt cx="0" cy="0"/>
+        </a:xfrm>
+      </p:grpSpPr>
+      <p:sp>
+        <p:nvSpPr>
+          <p:cNvPr id="2" name="Title 1"/>
+          <p:cNvSpPr>
+            <a:spLocks noGrp="1"/>
+          </p:cNvSpPr>
+          <p:nvPr>
+            <p:ph type="title"/>
+          </p:nvPr>
+        </p:nvSpPr>
+        <p:spPr/>
+        <p:txBody>
+          <a:bodyPr>
+            <a:normAutofit/>
+          </a:bodyPr>
+          <a:lstStyle/>
+          <a:p>
+            <a:r>
+              <a:rPr lang="en-US" sz="3200" dirty="0"/>
+              <a:t>How do we use very large amounts of data</a:t>
+            </a:r>
+            <a:r>
+              <a:rPr lang="en-US" sz="3600" dirty="0"/>
+              <a:t>?</a:t>
+            </a:r>
+          </a:p>
+        </p:txBody>
+      </p:sp>
+      <p:sp>
+        <p:nvSpPr>
+          <p:cNvPr id="3" name="Content Placeholder 2"/>
+          <p:cNvSpPr>
+            <a:spLocks noGrp="1"/>
+          </p:cNvSpPr>
+          <p:nvPr>
+            <p:ph idx="1"/>
+          </p:nvPr>
+        </p:nvSpPr>
+        <p:spPr/>
+        <p:txBody>
+          <a:bodyPr>
+            <a:normAutofit fontScale="92500" lnSpcReduction="10000"/>
+          </a:bodyPr>
+          <a:lstStyle/>
+          <a:p>
+            <a:r>
+              <a:rPr lang="en-US" dirty="0"/>
+              <a:t>Working with big data is </a:t>
+            </a:r>
+            <a:r>
+              <a:rPr lang="en-US" i="1" dirty="0"/>
+              <a:t>not</a:t>
+            </a:r>
+            <a:r>
+              <a:rPr lang="en-US" dirty="0"/>
+              <a:t> about </a:t>
+            </a:r>
+          </a:p>
+          <a:p>
+            <a:pPr lvl="1"/>
+            <a:r>
+              <a:rPr lang="en-US" dirty="0"/>
+              <a:t>code optimization</a:t>
+            </a:r>
+          </a:p>
+          <a:p>
+            <a:pPr lvl="1"/>
+            <a:r>
+              <a:rPr lang="en-US" dirty="0"/>
+              <a:t>learning details of </a:t>
+            </a:r>
+            <a:r>
+              <a:rPr lang="en-US" dirty="0" err="1"/>
+              <a:t>todays</a:t>
+            </a:r>
+            <a:r>
+              <a:rPr lang="en-US" dirty="0"/>
+              <a:t> hardware/software:</a:t>
+            </a:r>
+          </a:p>
+          <a:p>
+            <a:pPr lvl="2"/>
+            <a:r>
+              <a:rPr lang="en-US" dirty="0" err="1"/>
+              <a:t>GraphLab</a:t>
+            </a:r>
+            <a:r>
+              <a:rPr lang="en-US" dirty="0"/>
+              <a:t>, </a:t>
+            </a:r>
+            <a:r>
+              <a:rPr lang="en-US" dirty="0" err="1"/>
+              <a:t>Hadoop</a:t>
+            </a:r>
+            <a:r>
+              <a:rPr lang="en-US" dirty="0"/>
+              <a:t>, Spark, parallel hardware, ….</a:t>
+            </a:r>
+          </a:p>
+          <a:p>
+            <a:r>
+              <a:rPr lang="en-US" dirty="0"/>
+              <a:t>Working with big data </a:t>
+            </a:r>
+            <a:r>
+              <a:rPr lang="en-US" i="1" dirty="0"/>
+              <a:t>is </a:t>
+            </a:r>
+            <a:r>
+              <a:rPr lang="en-US" dirty="0"/>
+              <a:t>about </a:t>
+            </a:r>
+          </a:p>
+          <a:p>
+            <a:pPr lvl="1"/>
+            <a:r>
+              <a:rPr lang="en-US" dirty="0"/>
+              <a:t>Understanding the cost of what you want to do</a:t>
+            </a:r>
+          </a:p>
+          <a:p>
+            <a:pPr lvl="1"/>
+            <a:r>
+              <a:rPr lang="en-US" dirty="0"/>
+              <a:t>Understanding what the tools that are available offer</a:t>
+            </a:r>
+          </a:p>
+          <a:p>
+            <a:pPr lvl="1"/>
+            <a:r>
+              <a:rPr lang="en-US" dirty="0"/>
+              <a:t>Understanding how much can be accomplished with linear or nearly-linear operations (e.g., sorting, …)</a:t>
+            </a:r>
+          </a:p>
+          <a:p>
+            <a:pPr lvl="1"/>
+            <a:r>
+              <a:rPr lang="en-US" dirty="0"/>
+              <a:t>Understanding how to organize your computations so that they effectively use whatever’s fast</a:t>
+            </a:r>
+          </a:p>
+          <a:p>
+            <a:pPr lvl="1"/>
+            <a:r>
+              <a:rPr lang="en-US" dirty="0"/>
+              <a:t>Understanding how to test/debug/verify with large data</a:t>
+            </a:r>
+          </a:p>
+        </p:txBody>
+      </p:sp>
+      <p:sp>
+        <p:nvSpPr>
+          <p:cNvPr id="4" name="TextBox 3"/>
+          <p:cNvSpPr txBox="1"/>
+          <p:nvPr/>
+        </p:nvSpPr>
+        <p:spPr>
+          <a:xfrm>
+            <a:off x="4772660" y="1194146"/>
+            <a:ext cx="248920" cy="369332"/>
+          </a:xfrm>
+          <a:prstGeom prst="rect">
+            <a:avLst/>
+          </a:prstGeom>
+          <a:noFill/>
+        </p:spPr>
+        <p:txBody>
+          <a:bodyPr wrap="square" rtlCol="0">
+            <a:spAutoFit/>
+          </a:bodyPr>
+          <a:lstStyle/>
+          <a:p>
+            <a:r>
+              <a:rPr lang="en-US" dirty="0"/>
+              <a:t>*</a:t>
+            </a:r>
+          </a:p>
+        </p:txBody>
+      </p:sp>
+      <p:sp>
+        <p:nvSpPr>
+          <p:cNvPr id="5" name="TextBox 4"/>
+          <p:cNvSpPr txBox="1"/>
+          <p:nvPr/>
+        </p:nvSpPr>
+        <p:spPr>
+          <a:xfrm>
+            <a:off x="5684882" y="6126163"/>
+            <a:ext cx="2507289" cy="400110"/>
+          </a:xfrm>
+          <a:prstGeom prst="rect">
+            <a:avLst/>
+          </a:prstGeom>
+          <a:noFill/>
+        </p:spPr>
+        <p:txBody>
+          <a:bodyPr wrap="none" rtlCol="0">
+            <a:spAutoFit/>
+          </a:bodyPr>
+          <a:lstStyle/>
+          <a:p>
+            <a:r>
+              <a:rPr lang="en-US" sz="2000" dirty="0"/>
+              <a:t>* according to William</a:t>
+            </a:r>
+          </a:p>
+        </p:txBody>
+      </p:sp>
+    </p:spTree>
+  </p:cSld>
+  <p:clrMapOvr>
+    <a:masterClrMapping/>
+  </p:clrMapOvr>
+  <p:timing>
+    <p:tnLst>
+      <p:par>
+        <p:cTn id="1" dur="indefinite" restart="never" nodeType="tmRoot">
+          <p:childTnLst>
+            <p:seq concurrent="1" nextAc="seek">
+              <p:cTn id="2" dur="indefinite" nodeType="mainSeq">
+                <p:childTnLst>
+                  <p:par>
+                    <p:cTn id="3" fill="hold">
+                      <p:stCondLst>
+                        <p:cond delay="indefinite"/>
+                      </p:stCondLst>
+                      <p:childTnLst>
+                        <p:par>
+                          <p:cTn id="4" fill="hold">
+                            <p:stCondLst>
+                              <p:cond delay="0"/>
+                            </p:stCondLst>
+                            <p:childTnLst>
+                              <p:par>
+                                <p:cTn id="5" presetID="1" presetClass="entr" presetSubtype="0" fill="hold" grpId="0" nodeType="clickEffect">
+                                  <p:stCondLst>
+                                    <p:cond delay="0"/>
+                                  </p:stCondLst>
+                                  <p:childTnLst>
+                                    <p:set>
+                                      <p:cBhvr>
+                                        <p:cTn id="6" dur="1" fill="hold">
+                                          <p:stCondLst>
+                                            <p:cond delay="0"/>
+                                          </p:stCondLst>
+                                        </p:cTn>
+                                        <p:tgtEl>
+                                          <p:spTgt spid="5"/>
+                                        </p:tgtEl>
+                                        <p:attrNameLst>
+                                          <p:attrName>style.visibility</p:attrName>
+                                        </p:attrNameLst>
+                                      </p:cBhvr>
+                                      <p:to>
+                                        <p:strVal val="visible"/>
+                                      </p:to>
+                                    </p:set>
+                                  </p:childTnLst>
+                                </p:cTn>
+                              </p:par>
+                            </p:childTnLst>
+                          </p:cTn>
+                        </p:par>
+                      </p:childTnLst>
+                    </p:cTn>
+                  </p:par>
+                </p:childTnLst>
+              </p:cTn>
+              <p:prevCondLst>
+                <p:cond evt="onPrev" delay="0">
+                  <p:tgtEl>
+                    <p:sldTgt/>
+                  </p:tgtEl>
+                </p:cond>
+              </p:prevCondLst>
+              <p:nextCondLst>
+                <p:cond evt="onNext" delay="0">
+                  <p:tgtEl>
+                    <p:sldTgt/>
+                  </p:tgtEl>
+                </p:cond>
+              </p:nextCondLst>
+            </p:seq>
+          </p:childTnLst>
+        </p:cTn>
+      </p:par>
+    </p:tnLst>
+    <p:bldLst>
+      <p:bldP spid="5" grpId="0"/>
+    </p:bldLst>
+  </p:timing>
+</p:sld>
+</file>
+
+<file path=ppt/slides/slide3.xml><?xml version="1.0" encoding="utf-8"?>
+<p:sld xmlns:a="http://schemas.openxmlformats.org/drawingml/2006/main" xmlns:r="http://schemas.openxmlformats.org/officeDocument/2006/relationships" xmlns:p="http://schemas.openxmlformats.org/presentationml/2006/main">
+  <p:cSld>
+    <p:spTree>
+      <p:nvGrpSpPr>
+        <p:cNvPr id="1" name=""/>
+        <p:cNvGrpSpPr/>
+        <p:nvPr/>
+      </p:nvGrpSpPr>
+      <p:grpSpPr>
+        <a:xfrm>
+          <a:off x="0" y="0"/>
+          <a:ext cx="0" cy="0"/>
+          <a:chOff x="0" y="0"/>
+          <a:chExt cx="0" cy="0"/>
+        </a:xfrm>
+      </p:grpSpPr>
+      <p:sp>
+        <p:nvSpPr>
+          <p:cNvPr id="4" name="Title 3"/>
+          <p:cNvSpPr>
+            <a:spLocks noGrp="1"/>
+          </p:cNvSpPr>
+          <p:nvPr>
+            <p:ph type="title"/>
+          </p:nvPr>
+        </p:nvSpPr>
+        <p:spPr>
+          <a:xfrm>
+            <a:off x="381000" y="89972"/>
+            <a:ext cx="8229600" cy="1143000"/>
+          </a:xfrm>
+        </p:spPr>
+        <p:txBody>
+          <a:bodyPr/>
+          <a:lstStyle/>
+          <a:p>
+            <a:r>
+              <a:rPr lang="en-US" dirty="0"/>
+              <a:t>A typical CPU (not to scale)</a:t>
+            </a:r>
+          </a:p>
+        </p:txBody>
+      </p:sp>
+      <p:pic>
+        <p:nvPicPr>
+          <p:cNvPr id="6148" name="Picture 4"/>
+          <p:cNvPicPr>
+            <a:picLocks noChangeAspect="1" noChangeArrowheads="1"/>
+          </p:cNvPicPr>
+          <p:nvPr/>
+        </p:nvPicPr>
+        <p:blipFill>
+          <a:blip r:embed="rId3"/>
+          <a:srcRect l="12396" t="21156" r="43021" b="24785"/>
+          <a:stretch>
+            <a:fillRect/>
+          </a:stretch>
+        </p:blipFill>
+        <p:spPr bwMode="auto">
+          <a:xfrm>
+            <a:off x="457200" y="1417638"/>
+            <a:ext cx="8153400" cy="5391150"/>
+          </a:xfrm>
+          <a:prstGeom prst="rect">
+            <a:avLst/>
+          </a:prstGeom>
+          <a:noFill/>
+          <a:ln w="9525">
+            <a:noFill/>
+            <a:miter lim="800000"/>
+            <a:headEnd/>
+            <a:tailEnd/>
+          </a:ln>
+          <a:effectLst/>
+        </p:spPr>
+      </p:pic>
+      <p:sp>
+        <p:nvSpPr>
+          <p:cNvPr id="8" name="TextBox 7"/>
+          <p:cNvSpPr txBox="1"/>
+          <p:nvPr/>
+        </p:nvSpPr>
+        <p:spPr>
+          <a:xfrm>
+            <a:off x="5422900" y="1232972"/>
+            <a:ext cx="3556000" cy="369332"/>
+          </a:xfrm>
+          <a:prstGeom prst="rect">
+            <a:avLst/>
+          </a:prstGeom>
+          <a:noFill/>
+        </p:spPr>
+        <p:txBody>
+          <a:bodyPr wrap="square" rtlCol="0">
+            <a:spAutoFit/>
+          </a:bodyPr>
+          <a:lstStyle/>
+          <a:p>
+            <a:r>
+              <a:rPr lang="en-US" dirty="0"/>
+              <a:t>K8 core in the AMD </a:t>
+            </a:r>
+            <a:r>
+              <a:rPr lang="en-US" dirty="0" err="1">
+                <a:hlinkClick r:id="rId4" tooltip="Athlon 64"/>
+              </a:rPr>
+              <a:t>Athlon</a:t>
+            </a:r>
+            <a:r>
+              <a:rPr lang="en-US" dirty="0">
+                <a:hlinkClick r:id="rId4" tooltip="Athlon 64"/>
+              </a:rPr>
+              <a:t> 64</a:t>
+            </a:r>
+            <a:r>
+              <a:rPr lang="en-US" dirty="0"/>
+              <a:t> CPU</a:t>
+            </a:r>
+          </a:p>
+        </p:txBody>
+      </p:sp>
+      <p:sp>
+        <p:nvSpPr>
+          <p:cNvPr id="9" name="TextBox 8"/>
+          <p:cNvSpPr txBox="1"/>
+          <p:nvPr/>
+        </p:nvSpPr>
+        <p:spPr>
+          <a:xfrm>
+            <a:off x="7023100" y="3814802"/>
+            <a:ext cx="1587500" cy="369332"/>
+          </a:xfrm>
+          <a:prstGeom prst="rect">
+            <a:avLst/>
+          </a:prstGeom>
+          <a:solidFill>
+            <a:srgbClr val="FFFF00"/>
+          </a:solidFill>
+        </p:spPr>
+        <p:txBody>
+          <a:bodyPr wrap="square" rtlCol="0">
+            <a:spAutoFit/>
+          </a:bodyPr>
+          <a:lstStyle/>
+          <a:p>
+            <a:r>
+              <a:rPr lang="en-US" dirty="0"/>
+              <a:t>16x bigger</a:t>
+            </a:r>
+          </a:p>
+        </p:txBody>
+      </p:sp>
+      <p:sp>
+        <p:nvSpPr>
+          <p:cNvPr id="10" name="TextBox 9"/>
+          <p:cNvSpPr txBox="1"/>
+          <p:nvPr/>
+        </p:nvSpPr>
+        <p:spPr>
+          <a:xfrm>
+            <a:off x="5238750" y="4901168"/>
+            <a:ext cx="1587500" cy="369332"/>
+          </a:xfrm>
+          <a:prstGeom prst="rect">
+            <a:avLst/>
+          </a:prstGeom>
+          <a:solidFill>
+            <a:srgbClr val="FFFF00"/>
+          </a:solidFill>
+        </p:spPr>
+        <p:txBody>
+          <a:bodyPr wrap="square" rtlCol="0">
+            <a:spAutoFit/>
+          </a:bodyPr>
+          <a:lstStyle/>
+          <a:p>
+            <a:r>
+              <a:rPr lang="en-US" dirty="0"/>
+              <a:t>256x bigger</a:t>
+            </a:r>
+          </a:p>
+        </p:txBody>
+      </p:sp>
+      <p:sp>
+        <p:nvSpPr>
+          <p:cNvPr id="11" name="TextBox 10"/>
+          <p:cNvSpPr txBox="1"/>
+          <p:nvPr/>
+        </p:nvSpPr>
+        <p:spPr>
+          <a:xfrm>
+            <a:off x="406400" y="1572566"/>
+            <a:ext cx="2108200" cy="461665"/>
+          </a:xfrm>
+          <a:prstGeom prst="rect">
+            <a:avLst/>
+          </a:prstGeom>
+          <a:noFill/>
+          <a:ln w="28575">
+            <a:solidFill>
+              <a:schemeClr val="tx1"/>
+            </a:solidFill>
+          </a:ln>
+        </p:spPr>
+        <p:txBody>
+          <a:bodyPr wrap="square" rtlCol="0">
+            <a:spAutoFit/>
+          </a:bodyPr>
+          <a:lstStyle/>
+          <a:p>
+            <a:pPr algn="ctr"/>
+            <a:r>
+              <a:rPr lang="en-US" sz="2400" dirty="0"/>
+              <a:t>Hard disk (1Tb)</a:t>
+            </a:r>
+          </a:p>
+        </p:txBody>
+      </p:sp>
+      <p:cxnSp>
+        <p:nvCxnSpPr>
+          <p:cNvPr id="13" name="Straight Arrow Connector 12"/>
+          <p:cNvCxnSpPr>
+            <a:stCxn id="11" idx="3"/>
+          </p:cNvCxnSpPr>
+          <p:nvPr/>
+        </p:nvCxnSpPr>
+        <p:spPr>
+          <a:xfrm>
+            <a:off x="2514600" y="1803399"/>
+            <a:ext cx="850901" cy="1588"/>
+          </a:xfrm>
+          <a:prstGeom prst="straightConnector1">
+            <a:avLst/>
+          </a:prstGeom>
+          <a:ln>
+            <a:solidFill>
+              <a:schemeClr val="tx1"/>
+            </a:solidFill>
+            <a:headEnd type="triangle" w="med" len="med"/>
+            <a:tailEnd type="triangle" w="med" len="med"/>
+          </a:ln>
+        </p:spPr>
+        <p:style>
+          <a:lnRef idx="2">
+            <a:schemeClr val="accent1"/>
+          </a:lnRef>
+          <a:fillRef idx="0">
+            <a:schemeClr val="accent1"/>
+          </a:fillRef>
+          <a:effectRef idx="1">
+            <a:schemeClr val="accent1"/>
+          </a:effectRef>
+          <a:fontRef idx="minor">
+            <a:schemeClr val="tx1"/>
+          </a:fontRef>
+        </p:style>
+      </p:cxnSp>
+      <p:sp>
+        <p:nvSpPr>
+          <p:cNvPr id="16" name="TextBox 15"/>
+          <p:cNvSpPr txBox="1"/>
+          <p:nvPr/>
+        </p:nvSpPr>
+        <p:spPr>
+          <a:xfrm>
+            <a:off x="2171700" y="2034231"/>
+            <a:ext cx="1587500" cy="369332"/>
+          </a:xfrm>
+          <a:prstGeom prst="rect">
+            <a:avLst/>
+          </a:prstGeom>
+          <a:solidFill>
+            <a:srgbClr val="FFFF00"/>
+          </a:solidFill>
+        </p:spPr>
+        <p:txBody>
+          <a:bodyPr wrap="square" rtlCol="0">
+            <a:spAutoFit/>
+          </a:bodyPr>
+          <a:lstStyle/>
+          <a:p>
+            <a:r>
+              <a:rPr lang="en-US" dirty="0"/>
+              <a:t>128x bigger</a:t>
+            </a:r>
+          </a:p>
+        </p:txBody>
+      </p:sp>
+    </p:spTree>
+  </p:cSld>
+  <p:clrMapOvr>
+    <a:masterClrMapping/>
+  </p:clrMapOvr>
+  <p:timing>
+    <p:tnLst>
+      <p:par>
+        <p:cTn id="1" dur="indefinite" restart="never" nodeType="tmRoot">
+          <p:childTnLst>
+            <p:seq concurrent="1" nextAc="seek">
+              <p:cTn id="2" dur="indefinite" nodeType="mainSeq">
+                <p:childTnLst>
+                  <p:par>
+                    <p:cTn id="3" fill="hold">
+                      <p:stCondLst>
+                        <p:cond delay="indefinite"/>
+                      </p:stCondLst>
+                      <p:childTnLst>
+                        <p:par>
+                          <p:cTn id="4" fill="hold">
+                            <p:stCondLst>
+                              <p:cond delay="0"/>
+                            </p:stCondLst>
+                            <p:childTnLst>
+                              <p:par>
+                                <p:cTn id="5" presetID="1" presetClass="entr" presetSubtype="0" fill="hold" grpId="0" nodeType="clickEffect">
+                                  <p:stCondLst>
+                                    <p:cond delay="0"/>
+                                  </p:stCondLst>
+                                  <p:childTnLst>
+                                    <p:set>
+                                      <p:cBhvr>
+                                        <p:cTn id="6" dur="1" fill="hold">
+                                          <p:stCondLst>
+                                            <p:cond delay="0"/>
+                                          </p:stCondLst>
+                                        </p:cTn>
+                                        <p:tgtEl>
+                                          <p:spTgt spid="9"/>
+                                        </p:tgtEl>
+                                        <p:attrNameLst>
+                                          <p:attrName>style.visibility</p:attrName>
+                                        </p:attrNameLst>
+                                      </p:cBhvr>
+                                      <p:to>
+                                        <p:strVal val="visible"/>
+                                      </p:to>
+                                    </p:set>
+                                  </p:childTnLst>
+                                </p:cTn>
+                              </p:par>
+                              <p:par>
+                                <p:cTn id="7" presetID="1" presetClass="entr" presetSubtype="0" fill="hold" grpId="0" nodeType="withEffect">
+                                  <p:stCondLst>
+                                    <p:cond delay="0"/>
+                                  </p:stCondLst>
+                                  <p:childTnLst>
+                                    <p:set>
+                                      <p:cBhvr>
+                                        <p:cTn id="8" dur="1" fill="hold">
+                                          <p:stCondLst>
+                                            <p:cond delay="0"/>
+                                          </p:stCondLst>
+                                        </p:cTn>
+                                        <p:tgtEl>
+                                          <p:spTgt spid="10"/>
+                                        </p:tgtEl>
+                                        <p:attrNameLst>
+                                          <p:attrName>style.visibility</p:attrName>
+                                        </p:attrNameLst>
+                                      </p:cBhvr>
+                                      <p:to>
+                                        <p:strVal val="visible"/>
+                                      </p:to>
+                                    </p:set>
+                                  </p:childTnLst>
+                                </p:cTn>
+                              </p:par>
+                              <p:par>
+                                <p:cTn id="9" presetID="1" presetClass="entr" presetSubtype="0" fill="hold" grpId="0" nodeType="withEffect">
+                                  <p:stCondLst>
+                                    <p:cond delay="0"/>
+                                  </p:stCondLst>
+                                  <p:childTnLst>
+                                    <p:set>
+                                      <p:cBhvr>
+                                        <p:cTn id="10" dur="1" fill="hold">
+                                          <p:stCondLst>
+                                            <p:cond delay="0"/>
+                                          </p:stCondLst>
+                                        </p:cTn>
+                                        <p:tgtEl>
+                                          <p:spTgt spid="16"/>
+                                        </p:tgtEl>
+                                        <p:attrNameLst>
+                                          <p:attrName>style.visibility</p:attrName>
+                                        </p:attrNameLst>
+                                      </p:cBhvr>
+                                      <p:to>
+                                        <p:strVal val="visible"/>
+                                      </p:to>
+                                    </p:set>
+                                  </p:childTnLst>
+                                </p:cTn>
+                              </p:par>
+                            </p:childTnLst>
+                          </p:cTn>
+                        </p:par>
+                      </p:childTnLst>
+                    </p:cTn>
+                  </p:par>
+                </p:childTnLst>
+              </p:cTn>
+              <p:prevCondLst>
+                <p:cond evt="onPrev" delay="0">
+                  <p:tgtEl>
+                    <p:sldTgt/>
+                  </p:tgtEl>
+                </p:cond>
+              </p:prevCondLst>
+              <p:nextCondLst>
+                <p:cond evt="onNext" delay="0">
+                  <p:tgtEl>
+                    <p:sldTgt/>
+                  </p:tgtEl>
+                </p:cond>
+              </p:nextCondLst>
+            </p:seq>
+          </p:childTnLst>
+        </p:cTn>
+      </p:par>
+    </p:tnLst>
+    <p:bldLst>
+      <p:bldP spid="9" grpId="0" animBg="1"/>
+      <p:bldP spid="10" grpId="0" animBg="1"/>
+      <p:bldP spid="16" grpId="0" animBg="1"/>
+    </p:bldLst>
+  </p:timing>
+</p:sld>
+</file>
+
+<file path=ppt/slides/slide4.xml><?xml version="1.0" encoding="utf-8"?>
+<p:sld xmlns:a="http://schemas.openxmlformats.org/drawingml/2006/main" xmlns:r="http://schemas.openxmlformats.org/officeDocument/2006/relationships" xmlns:p="http://schemas.openxmlformats.org/presentationml/2006/main">
+  <p:cSld>
+    <p:spTree>
+      <p:nvGrpSpPr>
+        <p:cNvPr id="1" name=""/>
+        <p:cNvGrpSpPr/>
+        <p:nvPr/>
+      </p:nvGrpSpPr>
+      <p:grpSpPr>
+        <a:xfrm>
+          <a:off x="0" y="0"/>
+          <a:ext cx="0" cy="0"/>
+          <a:chOff x="0" y="0"/>
+          <a:chExt cx="0" cy="0"/>
+        </a:xfrm>
+      </p:grpSpPr>
+      <p:sp>
+        <p:nvSpPr>
+          <p:cNvPr id="4" name="Title 3"/>
+          <p:cNvSpPr>
+            <a:spLocks noGrp="1"/>
+          </p:cNvSpPr>
+          <p:nvPr>
+            <p:ph type="title"/>
+          </p:nvPr>
+        </p:nvSpPr>
+        <p:spPr>
+          <a:xfrm>
+            <a:off x="381000" y="89972"/>
+            <a:ext cx="8229600" cy="1143000"/>
+          </a:xfrm>
+        </p:spPr>
+        <p:txBody>
+          <a:bodyPr/>
+          <a:lstStyle/>
+          <a:p>
+            <a:r>
+              <a:rPr lang="en-US" dirty="0"/>
+              <a:t>A typical disk</a:t>
+            </a:r>
+          </a:p>
+        </p:txBody>
+      </p:sp>
+      <p:pic>
+        <p:nvPicPr>
+          <p:cNvPr id="7173" name="Picture 5"/>
+          <p:cNvPicPr>
+            <a:picLocks noChangeAspect="1" noChangeArrowheads="1"/>
+          </p:cNvPicPr>
+          <p:nvPr/>
+        </p:nvPicPr>
+        <p:blipFill>
+          <a:blip r:embed="rId3"/>
+          <a:srcRect/>
+          <a:stretch>
+            <a:fillRect/>
+          </a:stretch>
+        </p:blipFill>
+        <p:spPr bwMode="auto">
+          <a:xfrm>
+            <a:off x="762000" y="1487488"/>
+            <a:ext cx="7620000" cy="5076825"/>
+          </a:xfrm>
+          <a:prstGeom prst="rect">
+            <a:avLst/>
+          </a:prstGeom>
+          <a:noFill/>
+          <a:ln w="9525">
+            <a:noFill/>
+            <a:miter lim="800000"/>
+            <a:headEnd/>
+            <a:tailEnd/>
+          </a:ln>
+          <a:effectLst/>
+        </p:spPr>
+      </p:pic>
+    </p:spTree>
+  </p:cSld>
+  <p:clrMapOvr>
+    <a:masterClrMapping/>
+  </p:clrMapOvr>
+</p:sld>
+</file>
+
+<file path=ppt/slides/slide5.xml><?xml version="1.0" encoding="utf-8"?>
+<p:sld xmlns:a="http://schemas.openxmlformats.org/drawingml/2006/main" xmlns:r="http://schemas.openxmlformats.org/officeDocument/2006/relationships" xmlns:p="http://schemas.openxmlformats.org/presentationml/2006/main">
+  <p:cSld>
+    <p:spTree>
+      <p:nvGrpSpPr>
+        <p:cNvPr id="1" name=""/>
+        <p:cNvGrpSpPr/>
+        <p:nvPr/>
+      </p:nvGrpSpPr>
+      <p:grpSpPr>
+        <a:xfrm>
+          <a:off x="0" y="0"/>
+          <a:ext cx="0" cy="0"/>
+          <a:chOff x="0" y="0"/>
+          <a:chExt cx="0" cy="0"/>
+        </a:xfrm>
+      </p:grpSpPr>
+      <p:sp>
+        <p:nvSpPr>
+          <p:cNvPr id="2" name="Title 1"/>
+          <p:cNvSpPr>
+            <a:spLocks noGrp="1"/>
+          </p:cNvSpPr>
+          <p:nvPr>
+            <p:ph type="title"/>
+          </p:nvPr>
+        </p:nvSpPr>
+        <p:spPr/>
+        <p:txBody>
+          <a:bodyPr>
+            <a:normAutofit fontScale="90000"/>
+          </a:bodyPr>
+          <a:lstStyle/>
+          <a:p>
+            <a:r>
+              <a:rPr lang="en-US" sz="3600" dirty="0"/>
+              <a:t>Numbers (Jeff Dean says) Everyone Should Know</a:t>
+            </a:r>
+            <a:br>
+              <a:rPr lang="en-US" dirty="0"/>
+            </a:br>
+            <a:endParaRPr lang="en-US" dirty="0"/>
+          </a:p>
+        </p:txBody>
+      </p:sp>
+      <p:pic>
+        <p:nvPicPr>
+          <p:cNvPr id="5122" name="Picture 2"/>
+          <p:cNvPicPr>
+            <a:picLocks noChangeAspect="1" noChangeArrowheads="1"/>
+          </p:cNvPicPr>
+          <p:nvPr/>
+        </p:nvPicPr>
+        <p:blipFill>
+          <a:blip r:embed="rId2"/>
+          <a:srcRect l="20091" t="32867" r="17899" b="10011"/>
+          <a:stretch>
+            <a:fillRect/>
+          </a:stretch>
+        </p:blipFill>
+        <p:spPr bwMode="auto">
+          <a:xfrm>
+            <a:off x="254000" y="1201738"/>
+            <a:ext cx="8623300" cy="5054600"/>
+          </a:xfrm>
+          <a:prstGeom prst="rect">
+            <a:avLst/>
+          </a:prstGeom>
+          <a:noFill/>
+          <a:ln w="9525">
+            <a:noFill/>
+            <a:miter lim="800000"/>
+            <a:headEnd/>
+            <a:tailEnd/>
+          </a:ln>
+          <a:effectLst/>
+        </p:spPr>
+      </p:pic>
+    </p:spTree>
+    <p:extLst>
+      <p:ext uri="{BB962C8B-B14F-4D97-AF65-F5344CB8AC3E}">
+        <p14:creationId xmlns:p14="http://schemas.microsoft.com/office/powerpoint/2010/main" val="3009627562"/>
+      </p:ext>
+    </p:extLst>
+  </p:cSld>
+  <p:clrMapOvr>
+    <a:masterClrMapping/>
+  </p:clrMapOvr>
+</p:sld>
+</file>
+
+<file path=ppt/slides/slide6.xml><?xml version="1.0" encoding="utf-8"?>
+<p:sld xmlns:a="http://schemas.openxmlformats.org/drawingml/2006/main" xmlns:r="http://schemas.openxmlformats.org/officeDocument/2006/relationships" xmlns:p="http://schemas.openxmlformats.org/presentationml/2006/main">
+  <p:cSld>
+    <p:spTree>
+      <p:nvGrpSpPr>
+        <p:cNvPr id="1" name=""/>
+        <p:cNvGrpSpPr/>
+        <p:nvPr/>
+      </p:nvGrpSpPr>
+      <p:grpSpPr>
+        <a:xfrm>
+          <a:off x="0" y="0"/>
+          <a:ext cx="0" cy="0"/>
+          <a:chOff x="0" y="0"/>
+          <a:chExt cx="0" cy="0"/>
+        </a:xfrm>
+      </p:grpSpPr>
+      <p:sp>
+        <p:nvSpPr>
+          <p:cNvPr id="2" name="Title 1"/>
+          <p:cNvSpPr>
+            <a:spLocks noGrp="1"/>
+          </p:cNvSpPr>
+          <p:nvPr>
+            <p:ph type="title"/>
+          </p:nvPr>
+        </p:nvSpPr>
+        <p:spPr/>
+        <p:txBody>
+          <a:bodyPr>
+            <a:normAutofit/>
+          </a:bodyPr>
+          <a:lstStyle/>
+          <a:p>
+            <a:r>
+              <a:rPr lang="en-US" dirty="0"/>
+              <a:t>Latency Numbers Every Programmer Should Know</a:t>
+            </a:r>
+          </a:p>
+        </p:txBody>
+      </p:sp>
+      <p:sp>
+        <p:nvSpPr>
+          <p:cNvPr id="3" name="TextBox 2"/>
+          <p:cNvSpPr txBox="1"/>
+          <p:nvPr/>
+        </p:nvSpPr>
+        <p:spPr>
+          <a:xfrm>
+            <a:off x="1065369" y="6123542"/>
+            <a:ext cx="7013262" cy="369332"/>
+          </a:xfrm>
+          <a:prstGeom prst="rect">
+            <a:avLst/>
+          </a:prstGeom>
+          <a:noFill/>
+        </p:spPr>
+        <p:txBody>
+          <a:bodyPr wrap="square" rtlCol="0">
+            <a:spAutoFit/>
+          </a:bodyPr>
+          <a:lstStyle/>
+          <a:p>
+            <a:r>
+              <a:rPr lang="en-US" dirty="0">
+                <a:hlinkClick r:id="rId2"/>
+              </a:rPr>
+              <a:t>http://www.eecs.berkeley.edu/~rcs/research/interactive_latency.html</a:t>
+            </a:r>
+            <a:r>
+              <a:rPr lang="en-US" dirty="0"/>
+              <a:t> </a:t>
+            </a:r>
+          </a:p>
+        </p:txBody>
+      </p:sp>
+      <p:pic>
+        <p:nvPicPr>
+          <p:cNvPr id="4" name="Picture 3"/>
+          <p:cNvPicPr>
+            <a:picLocks noChangeAspect="1"/>
+          </p:cNvPicPr>
+          <p:nvPr/>
+        </p:nvPicPr>
+        <p:blipFill>
+          <a:blip r:embed="rId3"/>
+          <a:stretch>
+            <a:fillRect/>
+          </a:stretch>
+        </p:blipFill>
+        <p:spPr>
+          <a:xfrm>
+            <a:off x="5800817" y="2273217"/>
+            <a:ext cx="2912002" cy="2952261"/>
+          </a:xfrm>
+          <a:prstGeom prst="rect">
+            <a:avLst/>
+          </a:prstGeom>
+        </p:spPr>
+      </p:pic>
+      <p:pic>
+        <p:nvPicPr>
+          <p:cNvPr id="5" name="图片 4">
+            <a:extLst>
+              <a:ext uri="{FF2B5EF4-FFF2-40B4-BE49-F238E27FC236}">
+                <a16:creationId xmlns:a16="http://schemas.microsoft.com/office/drawing/2014/main" id="{A309332C-78C4-803A-5545-451022F8295A}"/>
+              </a:ext>
+            </a:extLst>
+          </p:cNvPr>
+          <p:cNvPicPr>
+            <a:picLocks noChangeAspect="1"/>
+          </p:cNvPicPr>
+          <p:nvPr/>
+        </p:nvPicPr>
+        <p:blipFill>
+          <a:blip r:embed="rId4"/>
+          <a:stretch>
+            <a:fillRect/>
+          </a:stretch>
+        </p:blipFill>
+        <p:spPr>
+          <a:xfrm>
+            <a:off x="308352" y="2107766"/>
+            <a:ext cx="5116809" cy="3084406"/>
+          </a:xfrm>
+          <a:prstGeom prst="rect">
+            <a:avLst/>
+          </a:prstGeom>
+        </p:spPr>
+      </p:pic>
+      <p:sp>
+        <p:nvSpPr>
+          <p:cNvPr id="7" name="文本框 6">
+            <a:extLst>
+              <a:ext uri="{FF2B5EF4-FFF2-40B4-BE49-F238E27FC236}">
+                <a16:creationId xmlns:a16="http://schemas.microsoft.com/office/drawing/2014/main" id="{D6283AC2-D74A-3E0B-B146-A8262B831AC4}"/>
+              </a:ext>
+            </a:extLst>
+          </p:cNvPr>
+          <p:cNvSpPr txBox="1"/>
+          <p:nvPr/>
+        </p:nvSpPr>
+        <p:spPr>
+          <a:xfrm>
+            <a:off x="3637646" y="5609250"/>
+            <a:ext cx="4572000" cy="369332"/>
+          </a:xfrm>
+          <a:prstGeom prst="rect">
+            <a:avLst/>
+          </a:prstGeom>
+          <a:noFill/>
+        </p:spPr>
+        <p:txBody>
+          <a:bodyPr wrap="square">
+            <a:spAutoFit/>
+          </a:bodyPr>
+          <a:lstStyle/>
+          <a:p>
+            <a:r>
+              <a:rPr lang="en-US" altLang="zh-CN" dirty="0"/>
+              <a:t>Colin Scott, UCB</a:t>
+            </a:r>
+            <a:endParaRPr lang="zh-CN" altLang="en-US" dirty="0"/>
+          </a:p>
+        </p:txBody>
+      </p:sp>
+    </p:spTree>
+    <p:extLst>
+      <p:ext uri="{BB962C8B-B14F-4D97-AF65-F5344CB8AC3E}">
+        <p14:creationId xmlns:p14="http://schemas.microsoft.com/office/powerpoint/2010/main" val="3547666941"/>
+      </p:ext>
+    </p:extLst>
+  </p:cSld>
+  <p:clrMapOvr>
+    <a:masterClrMapping/>
+  </p:clrMapOvr>
+</p:sld>
+</file>
+
+<file path=ppt/slides/slide7.xml><?xml version="1.0" encoding="utf-8"?>
+<p:sld xmlns:a="http://schemas.openxmlformats.org/drawingml/2006/main" xmlns:r="http://schemas.openxmlformats.org/officeDocument/2006/relationships" xmlns:p="http://schemas.openxmlformats.org/presentationml/2006/main">
+  <p:cSld>
+    <p:spTree>
+      <p:nvGrpSpPr>
+        <p:cNvPr id="1" name=""/>
+        <p:cNvGrpSpPr/>
+        <p:nvPr/>
+      </p:nvGrpSpPr>
+      <p:grpSpPr>
+        <a:xfrm>
+          <a:off x="0" y="0"/>
+          <a:ext cx="0" cy="0"/>
+          <a:chOff x="0" y="0"/>
+          <a:chExt cx="0" cy="0"/>
+        </a:xfrm>
+      </p:grpSpPr>
+      <p:sp>
+        <p:nvSpPr>
+          <p:cNvPr id="2" name="Title 1"/>
+          <p:cNvSpPr>
+            <a:spLocks noGrp="1"/>
+          </p:cNvSpPr>
+          <p:nvPr>
+            <p:ph type="title"/>
+          </p:nvPr>
+        </p:nvSpPr>
+        <p:spPr>
+          <a:xfrm>
+            <a:off x="553650" y="152420"/>
+            <a:ext cx="7886700" cy="762634"/>
+          </a:xfrm>
+        </p:spPr>
+        <p:txBody>
+          <a:bodyPr/>
+          <a:lstStyle/>
+          <a:p>
+            <a:r>
+              <a:rPr lang="zh-CN" altLang="en-US" dirty="0"/>
+              <a:t>存储结构</a:t>
+            </a:r>
+            <a:endParaRPr lang="en-US" dirty="0"/>
+          </a:p>
+        </p:txBody>
+      </p:sp>
+      <p:pic>
+        <p:nvPicPr>
+          <p:cNvPr id="5" name="Picture 4" descr="Barroso-storage.png"/>
+          <p:cNvPicPr>
+            <a:picLocks noChangeAspect="1"/>
+          </p:cNvPicPr>
+          <p:nvPr/>
+        </p:nvPicPr>
+        <p:blipFill>
+          <a:blip r:embed="rId2" cstate="print"/>
+          <a:stretch>
+            <a:fillRect/>
+          </a:stretch>
+        </p:blipFill>
+        <p:spPr>
+          <a:xfrm>
+            <a:off x="-2610" y="915054"/>
+            <a:ext cx="9221152" cy="5942946"/>
+          </a:xfrm>
+          <a:prstGeom prst="rect">
+            <a:avLst/>
+          </a:prstGeom>
+        </p:spPr>
+      </p:pic>
+      <p:sp>
+        <p:nvSpPr>
+          <p:cNvPr id="7" name="TextBox 4"/>
+          <p:cNvSpPr txBox="1">
+            <a:spLocks noChangeArrowheads="1"/>
+          </p:cNvSpPr>
+          <p:nvPr/>
+        </p:nvSpPr>
+        <p:spPr bwMode="auto">
+          <a:xfrm>
+            <a:off x="0" y="6611938"/>
+            <a:ext cx="2157963" cy="246221"/>
+          </a:xfrm>
+          <a:prstGeom prst="rect">
+            <a:avLst/>
+          </a:prstGeom>
+          <a:noFill/>
+          <a:ln w="9525">
+            <a:noFill/>
+            <a:miter lim="800000"/>
+            <a:headEnd/>
+            <a:tailEnd/>
+          </a:ln>
+        </p:spPr>
+        <p:txBody>
+          <a:bodyPr wrap="none">
+            <a:spAutoFit/>
+          </a:bodyPr>
+          <a:lstStyle/>
+          <a:p>
+            <a:r>
+              <a:rPr lang="en-US" sz="1000" b="0" dirty="0"/>
+              <a:t>Source: </a:t>
+            </a:r>
+            <a:r>
+              <a:rPr lang="en-US" sz="1000" b="0" dirty="0" err="1"/>
+              <a:t>Barroso</a:t>
+            </a:r>
+            <a:r>
+              <a:rPr lang="en-US" sz="1000" b="0" dirty="0"/>
+              <a:t> and </a:t>
+            </a:r>
+            <a:r>
+              <a:rPr lang="en-US" sz="1000" b="0" dirty="0" err="1"/>
+              <a:t>Urs</a:t>
+            </a:r>
+            <a:r>
+              <a:rPr lang="en-US" sz="1000" b="0" dirty="0"/>
+              <a:t> </a:t>
+            </a:r>
+            <a:r>
+              <a:rPr lang="en-US" sz="1000" b="0" dirty="0" err="1"/>
+              <a:t>Hölzle</a:t>
+            </a:r>
+            <a:r>
+              <a:rPr lang="en-US" sz="1000" b="0" dirty="0"/>
+              <a:t> (2009)</a:t>
+            </a:r>
+          </a:p>
+        </p:txBody>
+      </p:sp>
+      <p:sp>
+        <p:nvSpPr>
+          <p:cNvPr id="3" name="矩形 2"/>
+          <p:cNvSpPr/>
+          <p:nvPr/>
+        </p:nvSpPr>
+        <p:spPr>
+          <a:xfrm>
+            <a:off x="6069163" y="545802"/>
+            <a:ext cx="1960793" cy="369332"/>
+          </a:xfrm>
+          <a:prstGeom prst="rect">
+            <a:avLst/>
+          </a:prstGeom>
+        </p:spPr>
+        <p:txBody>
+          <a:bodyPr wrap="none">
+            <a:spAutoFit/>
+          </a:bodyPr>
+          <a:lstStyle/>
+          <a:p>
+            <a:r>
+              <a:rPr lang="en-US" altLang="zh-CN" dirty="0">
+                <a:solidFill>
+                  <a:srgbClr val="222222"/>
+                </a:solidFill>
+                <a:latin typeface="Arial" charset="0"/>
+              </a:rPr>
+              <a:t>USB3.1</a:t>
+            </a:r>
+            <a:r>
+              <a:rPr lang="zh-CN" altLang="en-US" dirty="0">
+                <a:solidFill>
+                  <a:srgbClr val="222222"/>
+                </a:solidFill>
+                <a:latin typeface="Arial" charset="0"/>
+              </a:rPr>
+              <a:t> </a:t>
+            </a:r>
+            <a:r>
+              <a:rPr lang="en-US" altLang="zh-CN" dirty="0">
+                <a:solidFill>
+                  <a:srgbClr val="222222"/>
+                </a:solidFill>
+                <a:latin typeface="Arial" charset="0"/>
+              </a:rPr>
+              <a:t>10</a:t>
+            </a:r>
+            <a:r>
+              <a:rPr lang="mr-IN" altLang="zh-CN" dirty="0">
+                <a:solidFill>
+                  <a:srgbClr val="222222"/>
+                </a:solidFill>
+                <a:latin typeface="Arial" charset="0"/>
+              </a:rPr>
+              <a:t> </a:t>
+            </a:r>
+            <a:r>
+              <a:rPr lang="mr-IN" altLang="zh-CN" dirty="0" err="1">
+                <a:solidFill>
+                  <a:srgbClr val="222222"/>
+                </a:solidFill>
+                <a:latin typeface="Arial" charset="0"/>
+              </a:rPr>
+              <a:t>Gbit</a:t>
+            </a:r>
+            <a:r>
+              <a:rPr lang="mr-IN" altLang="zh-CN" dirty="0">
+                <a:solidFill>
+                  <a:srgbClr val="222222"/>
+                </a:solidFill>
+                <a:latin typeface="Arial" charset="0"/>
+              </a:rPr>
+              <a:t>/</a:t>
+            </a:r>
+            <a:r>
+              <a:rPr lang="mr-IN" altLang="zh-CN" dirty="0" err="1">
+                <a:solidFill>
+                  <a:srgbClr val="222222"/>
+                </a:solidFill>
+                <a:latin typeface="Arial" charset="0"/>
+              </a:rPr>
+              <a:t>s</a:t>
+            </a:r>
+            <a:endParaRPr lang="zh-CN" altLang="en-US" dirty="0"/>
+          </a:p>
+        </p:txBody>
+      </p:sp>
+      <p:sp>
+        <p:nvSpPr>
+          <p:cNvPr id="4" name="矩形 3"/>
+          <p:cNvSpPr/>
+          <p:nvPr/>
+        </p:nvSpPr>
+        <p:spPr>
+          <a:xfrm>
+            <a:off x="6069163" y="1016523"/>
+            <a:ext cx="2202526" cy="369332"/>
+          </a:xfrm>
+          <a:prstGeom prst="rect">
+            <a:avLst/>
+          </a:prstGeom>
+        </p:spPr>
+        <p:txBody>
+          <a:bodyPr wrap="none">
+            <a:spAutoFit/>
+          </a:bodyPr>
+          <a:lstStyle/>
+          <a:p>
+            <a:r>
+              <a:rPr lang="mr-IN" altLang="zh-CN" dirty="0">
+                <a:solidFill>
+                  <a:srgbClr val="222222"/>
+                </a:solidFill>
+                <a:latin typeface="Arial" charset="0"/>
+              </a:rPr>
+              <a:t>SATA 3.0 (6 </a:t>
+            </a:r>
+            <a:r>
+              <a:rPr lang="mr-IN" altLang="zh-CN" dirty="0" err="1">
+                <a:solidFill>
+                  <a:srgbClr val="222222"/>
+                </a:solidFill>
+                <a:latin typeface="Arial" charset="0"/>
+              </a:rPr>
+              <a:t>Gbit</a:t>
+            </a:r>
+            <a:r>
+              <a:rPr lang="mr-IN" altLang="zh-CN" dirty="0">
+                <a:solidFill>
+                  <a:srgbClr val="222222"/>
+                </a:solidFill>
+                <a:latin typeface="Arial" charset="0"/>
+              </a:rPr>
+              <a:t>/</a:t>
+            </a:r>
+            <a:r>
+              <a:rPr lang="mr-IN" altLang="zh-CN" dirty="0" err="1">
+                <a:solidFill>
+                  <a:srgbClr val="222222"/>
+                </a:solidFill>
+                <a:latin typeface="Arial" charset="0"/>
+              </a:rPr>
+              <a:t>s</a:t>
+            </a:r>
+            <a:r>
+              <a:rPr lang="mr-IN" altLang="zh-CN" dirty="0">
+                <a:solidFill>
+                  <a:srgbClr val="222222"/>
+                </a:solidFill>
+                <a:latin typeface="Arial" charset="0"/>
+              </a:rPr>
+              <a:t>) </a:t>
+            </a:r>
+            <a:endParaRPr lang="zh-CN" altLang="en-US" dirty="0"/>
+          </a:p>
+        </p:txBody>
+      </p:sp>
+      <p:sp>
+        <p:nvSpPr>
+          <p:cNvPr id="6" name="矩形 5"/>
+          <p:cNvSpPr/>
+          <p:nvPr/>
+        </p:nvSpPr>
+        <p:spPr>
+          <a:xfrm>
+            <a:off x="4957928" y="2917030"/>
+            <a:ext cx="4183261" cy="646331"/>
+          </a:xfrm>
+          <a:prstGeom prst="rect">
+            <a:avLst/>
+          </a:prstGeom>
+        </p:spPr>
+        <p:txBody>
+          <a:bodyPr wrap="none">
+            <a:spAutoFit/>
+          </a:bodyPr>
+          <a:lstStyle/>
+          <a:p>
+            <a:r>
+              <a:rPr lang="en-US" altLang="zh-CN" dirty="0">
+                <a:solidFill>
+                  <a:srgbClr val="000000"/>
+                </a:solidFill>
+                <a:latin typeface="Arial" charset="0"/>
+              </a:rPr>
+              <a:t>SSD</a:t>
+            </a:r>
+            <a:r>
+              <a:rPr lang="zh-CN" altLang="en-US" dirty="0">
+                <a:solidFill>
+                  <a:srgbClr val="000000"/>
+                </a:solidFill>
+                <a:latin typeface="Arial" charset="0"/>
+              </a:rPr>
+              <a:t>：</a:t>
+            </a:r>
+            <a:r>
+              <a:rPr lang="pl-PL" altLang="zh-CN" dirty="0">
+                <a:solidFill>
+                  <a:srgbClr val="000000"/>
+                </a:solidFill>
+                <a:latin typeface="Arial" charset="0"/>
+              </a:rPr>
+              <a:t>200 MB/s to 2500 MB/s</a:t>
+            </a:r>
+            <a:endParaRPr lang="zh-CN" altLang="en-US" dirty="0">
+              <a:solidFill>
+                <a:srgbClr val="000000"/>
+              </a:solidFill>
+              <a:latin typeface="Arial" charset="0"/>
+            </a:endParaRPr>
+          </a:p>
+          <a:p>
+            <a:r>
+              <a:rPr lang="en-US" altLang="zh-CN" dirty="0"/>
+              <a:t>Random</a:t>
+            </a:r>
+            <a:r>
+              <a:rPr lang="zh-CN" altLang="en-US" dirty="0"/>
+              <a:t> </a:t>
+            </a:r>
+            <a:r>
+              <a:rPr lang="en-US" altLang="zh-CN" dirty="0"/>
+              <a:t>Access</a:t>
+            </a:r>
+            <a:r>
+              <a:rPr lang="zh-CN" altLang="en-US" dirty="0"/>
+              <a:t> </a:t>
+            </a:r>
+            <a:r>
+              <a:rPr lang="en-US" altLang="zh-CN" dirty="0"/>
+              <a:t>Time</a:t>
+            </a:r>
+            <a:r>
+              <a:rPr lang="zh-CN" altLang="en-US" dirty="0"/>
+              <a:t>：</a:t>
+            </a:r>
+            <a:r>
+              <a:rPr lang="en-US" altLang="zh-CN" dirty="0"/>
+              <a:t>0.1ms</a:t>
+            </a:r>
+            <a:r>
+              <a:rPr lang="zh-CN" altLang="en-US" dirty="0"/>
+              <a:t> </a:t>
+            </a:r>
+            <a:r>
+              <a:rPr lang="en-US" altLang="zh-CN" dirty="0"/>
+              <a:t>vs</a:t>
+            </a:r>
+            <a:r>
+              <a:rPr lang="zh-CN" altLang="en-US" dirty="0"/>
+              <a:t> </a:t>
+            </a:r>
+            <a:r>
+              <a:rPr lang="en-US" altLang="zh-CN" dirty="0"/>
+              <a:t>2.9-12ms</a:t>
+            </a:r>
+            <a:endParaRPr lang="zh-CN" altLang="en-US" dirty="0"/>
+          </a:p>
+        </p:txBody>
+      </p:sp>
+    </p:spTree>
+    <p:extLst>
+      <p:ext uri="{BB962C8B-B14F-4D97-AF65-F5344CB8AC3E}">
+        <p14:creationId xmlns:p14="http://schemas.microsoft.com/office/powerpoint/2010/main" val="4138390957"/>
+      </p:ext>
+    </p:extLst>
+  </p:cSld>
+  <p:clrMapOvr>
+    <a:masterClrMapping/>
+  </p:clrMapOvr>
+</p:sld>
+</file>
+
+<file path=ppt/slides/slide8.xml><?xml version="1.0" encoding="utf-8"?>
+<p:sld xmlns:a="http://schemas.openxmlformats.org/drawingml/2006/main" xmlns:r="http://schemas.openxmlformats.org/officeDocument/2006/relationships" xmlns:p="http://schemas.openxmlformats.org/presentationml/2006/main">
+  <p:cSld>
+    <p:spTree>
+      <p:nvGrpSpPr>
+        <p:cNvPr id="1" name=""/>
+        <p:cNvGrpSpPr/>
+        <p:nvPr/>
+      </p:nvGrpSpPr>
+      <p:grpSpPr>
+        <a:xfrm>
+          <a:off x="0" y="0"/>
+          <a:ext cx="0" cy="0"/>
+          <a:chOff x="0" y="0"/>
+          <a:chExt cx="0" cy="0"/>
+        </a:xfrm>
+      </p:grpSpPr>
+      <p:sp>
+        <p:nvSpPr>
+          <p:cNvPr id="2" name="Title 1"/>
+          <p:cNvSpPr>
+            <a:spLocks noGrp="1"/>
+          </p:cNvSpPr>
+          <p:nvPr>
+            <p:ph type="title"/>
+          </p:nvPr>
+        </p:nvSpPr>
+        <p:spPr>
+          <a:xfrm>
+            <a:off x="308610" y="-256073"/>
+            <a:ext cx="7886700" cy="1325563"/>
+          </a:xfrm>
+        </p:spPr>
+        <p:txBody>
+          <a:bodyPr/>
+          <a:lstStyle/>
+          <a:p>
+            <a:r>
+              <a:rPr lang="zh-CN" altLang="en-US" dirty="0"/>
+              <a:t>各种存储的容量和性能</a:t>
+            </a:r>
+            <a:endParaRPr lang="en-US" dirty="0"/>
+          </a:p>
+        </p:txBody>
+      </p:sp>
+      <p:pic>
+        <p:nvPicPr>
+          <p:cNvPr id="4" name="Picture 3" descr="Barroso-storage-graph.png"/>
+          <p:cNvPicPr>
+            <a:picLocks noChangeAspect="1"/>
+          </p:cNvPicPr>
+          <p:nvPr/>
+        </p:nvPicPr>
+        <p:blipFill>
+          <a:blip r:embed="rId2" cstate="print"/>
+          <a:stretch>
+            <a:fillRect/>
+          </a:stretch>
+        </p:blipFill>
+        <p:spPr>
+          <a:xfrm>
+            <a:off x="0" y="914400"/>
+            <a:ext cx="9144000" cy="5941030"/>
+          </a:xfrm>
+          <a:prstGeom prst="rect">
+            <a:avLst/>
+          </a:prstGeom>
+        </p:spPr>
+      </p:pic>
+      <p:cxnSp>
+        <p:nvCxnSpPr>
+          <p:cNvPr id="6" name="Straight Connector 5"/>
+          <p:cNvCxnSpPr/>
+          <p:nvPr/>
+        </p:nvCxnSpPr>
+        <p:spPr bwMode="auto">
+          <a:xfrm rot="5400000" flipH="1" flipV="1">
+            <a:off x="1828800" y="3581400"/>
+            <a:ext cx="3810000" cy="0"/>
+          </a:xfrm>
+          <a:prstGeom prst="line">
+            <a:avLst/>
+          </a:prstGeom>
+          <a:solidFill>
+            <a:schemeClr val="accent1"/>
+          </a:solidFill>
+          <a:ln w="28575" cap="flat" cmpd="sng" algn="ctr">
+            <a:solidFill>
+              <a:schemeClr val="bg1"/>
+            </a:solidFill>
+            <a:prstDash val="solid"/>
+            <a:round/>
+            <a:headEnd type="none" w="med" len="med"/>
+            <a:tailEnd type="none" w="med" len="med"/>
+          </a:ln>
+          <a:effectLst/>
+        </p:spPr>
+      </p:cxnSp>
+      <p:cxnSp>
+        <p:nvCxnSpPr>
+          <p:cNvPr id="8" name="Straight Connector 7"/>
+          <p:cNvCxnSpPr/>
+          <p:nvPr/>
+        </p:nvCxnSpPr>
+        <p:spPr bwMode="auto">
+          <a:xfrm rot="5400000" flipH="1" flipV="1">
+            <a:off x="3886200" y="3581400"/>
+            <a:ext cx="3810000" cy="0"/>
+          </a:xfrm>
+          <a:prstGeom prst="line">
+            <a:avLst/>
+          </a:prstGeom>
+          <a:solidFill>
+            <a:schemeClr val="accent1"/>
+          </a:solidFill>
+          <a:ln w="28575" cap="flat" cmpd="sng" algn="ctr">
+            <a:solidFill>
+              <a:schemeClr val="bg1"/>
+            </a:solidFill>
+            <a:prstDash val="solid"/>
+            <a:round/>
+            <a:headEnd type="none" w="med" len="med"/>
+            <a:tailEnd type="none" w="med" len="med"/>
+          </a:ln>
+          <a:effectLst/>
+        </p:spPr>
+      </p:cxnSp>
+      <p:sp>
+        <p:nvSpPr>
+          <p:cNvPr id="9" name="TextBox 4"/>
+          <p:cNvSpPr txBox="1">
+            <a:spLocks noChangeArrowheads="1"/>
+          </p:cNvSpPr>
+          <p:nvPr/>
+        </p:nvSpPr>
+        <p:spPr bwMode="auto">
+          <a:xfrm>
+            <a:off x="0" y="6611938"/>
+            <a:ext cx="2383986" cy="246221"/>
+          </a:xfrm>
+          <a:prstGeom prst="rect">
+            <a:avLst/>
+          </a:prstGeom>
+          <a:noFill/>
+          <a:ln w="9525">
+            <a:noFill/>
+            <a:miter lim="800000"/>
+            <a:headEnd/>
+            <a:tailEnd/>
+          </a:ln>
+        </p:spPr>
+        <p:txBody>
+          <a:bodyPr wrap="none">
+            <a:spAutoFit/>
+          </a:bodyPr>
+          <a:lstStyle/>
+          <a:p>
+            <a:r>
+              <a:rPr lang="en-US" sz="1000" b="0" dirty="0">
+                <a:solidFill>
+                  <a:schemeClr val="bg1"/>
+                </a:solidFill>
+              </a:rPr>
+              <a:t>Source: </a:t>
+            </a:r>
+            <a:r>
+              <a:rPr lang="en-US" sz="1000" b="0" dirty="0" err="1">
+                <a:solidFill>
+                  <a:schemeClr val="bg1"/>
+                </a:solidFill>
+              </a:rPr>
+              <a:t>Barroso</a:t>
+            </a:r>
+            <a:r>
+              <a:rPr lang="en-US" sz="1000" b="0" dirty="0">
+                <a:solidFill>
+                  <a:schemeClr val="bg1"/>
+                </a:solidFill>
+              </a:rPr>
+              <a:t> and </a:t>
+            </a:r>
+            <a:r>
+              <a:rPr lang="en-US" sz="1000" b="0" dirty="0" err="1">
+                <a:solidFill>
+                  <a:schemeClr val="bg1"/>
+                </a:solidFill>
+              </a:rPr>
+              <a:t>Urs</a:t>
+            </a:r>
+            <a:r>
+              <a:rPr lang="en-US" sz="1000" b="0" dirty="0">
+                <a:solidFill>
+                  <a:schemeClr val="bg1"/>
+                </a:solidFill>
+              </a:rPr>
+              <a:t> </a:t>
+            </a:r>
+            <a:r>
+              <a:rPr lang="en-US" sz="1000" b="0" dirty="0" err="1">
+                <a:solidFill>
+                  <a:schemeClr val="bg1"/>
+                </a:solidFill>
+              </a:rPr>
+              <a:t>Hölzle</a:t>
+            </a:r>
+            <a:r>
+              <a:rPr lang="en-US" sz="1000" b="0" dirty="0">
+                <a:solidFill>
+                  <a:schemeClr val="bg1"/>
+                </a:solidFill>
+              </a:rPr>
+              <a:t> (2009)</a:t>
+            </a:r>
+          </a:p>
+        </p:txBody>
+      </p:sp>
+    </p:spTree>
+    <p:extLst>
+      <p:ext uri="{BB962C8B-B14F-4D97-AF65-F5344CB8AC3E}">
+        <p14:creationId xmlns:p14="http://schemas.microsoft.com/office/powerpoint/2010/main" val="688340376"/>
+      </p:ext>
+    </p:extLst>
+  </p:cSld>
+  <p:clrMapOvr>
+    <a:masterClrMapping/>
+  </p:clrMapOvr>
+  <p:timing>
+    <p:tnLst>
+      <p:par>
+        <p:cTn id="1" dur="indefinite" restart="never" nodeType="tmRoot">
+          <p:childTnLst>
+            <p:seq concurrent="1" nextAc="seek">
+              <p:cTn id="2" dur="indefinite" nodeType="mainSeq">
+                <p:childTnLst>
+                  <p:par>
+                    <p:cTn id="3" fill="hold">
+                      <p:stCondLst>
+                        <p:cond delay="indefinite"/>
+                      </p:stCondLst>
+                      <p:childTnLst>
+                        <p:par>
+                          <p:cTn id="4" fill="hold">
+                            <p:stCondLst>
+                              <p:cond delay="0"/>
+                            </p:stCondLst>
+                            <p:childTnLst>
+                              <p:par>
+                                <p:cTn id="5" presetID="1" presetClass="entr" presetSubtype="0" fill="hold" nodeType="clickEffect">
+                                  <p:stCondLst>
+                                    <p:cond delay="0"/>
+                                  </p:stCondLst>
+                                  <p:childTnLst>
+                                    <p:set>
+                                      <p:cBhvr>
+                                        <p:cTn id="6" dur="1" fill="hold">
+                                          <p:stCondLst>
+                                            <p:cond delay="0"/>
+                                          </p:stCondLst>
+                                        </p:cTn>
+                                        <p:tgtEl>
+                                          <p:spTgt spid="6"/>
+                                        </p:tgtEl>
+                                        <p:attrNameLst>
+                                          <p:attrName>style.visibility</p:attrName>
+                                        </p:attrNameLst>
+                                      </p:cBhvr>
+                                      <p:to>
+                                        <p:strVal val="visible"/>
+                                      </p:to>
+                                    </p:set>
+                                  </p:childTnLst>
+                                </p:cTn>
+                              </p:par>
+                              <p:par>
+                                <p:cTn id="7" presetID="1" presetClass="entr" presetSubtype="0" fill="hold" nodeType="withEffect">
+                                  <p:stCondLst>
+                                    <p:cond delay="0"/>
+                                  </p:stCondLst>
+                                  <p:childTnLst>
+                                    <p:set>
+                                      <p:cBhvr>
+                                        <p:cTn id="8" dur="1" fill="hold">
+                                          <p:stCondLst>
+                                            <p:cond delay="0"/>
+                                          </p:stCondLst>
+                                        </p:cTn>
+                                        <p:tgtEl>
+                                          <p:spTgt spid="8"/>
+                                        </p:tgtEl>
+                                        <p:attrNameLst>
+                                          <p:attrName>style.visibility</p:attrName>
+                                        </p:attrNameLst>
+                                      </p:cBhvr>
+                                      <p:to>
+                                        <p:strVal val="visible"/>
+                                      </p:to>
+                                    </p:set>
+                                  </p:childTnLst>
+                                </p:cTn>
+                              </p:par>
+                            </p:childTnLst>
+                          </p:cTn>
+                        </p:par>
+                      </p:childTnLst>
+                    </p:cTn>
+                  </p:par>
+                </p:childTnLst>
+              </p:cTn>
+              <p:prevCondLst>
+                <p:cond evt="onPrev" delay="0">
+                  <p:tgtEl>
+                    <p:sldTgt/>
+                  </p:tgtEl>
+                </p:cond>
+              </p:prevCondLst>
+              <p:nextCondLst>
+                <p:cond evt="onNext" delay="0">
+                  <p:tgtEl>
+                    <p:sldTgt/>
+                  </p:tgtEl>
+                </p:cond>
+              </p:nextCondLst>
+            </p:seq>
+          </p:childTnLst>
+        </p:cTn>
+      </p:par>
+    </p:tnLst>
+  </p:timing>
+</p:sld>
+</file>
+
+<file path=ppt/slides/slide9.xml><?xml version="1.0" encoding="utf-8"?>
+<p:sld xmlns:a="http://schemas.openxmlformats.org/drawingml/2006/main" xmlns:r="http://schemas.openxmlformats.org/officeDocument/2006/relationships" xmlns:p="http://schemas.openxmlformats.org/presentationml/2006/main">
+  <p:cSld>
+    <p:spTree>
+      <p:nvGrpSpPr>
+        <p:cNvPr id="1" name=""/>
+        <p:cNvGrpSpPr/>
+        <p:nvPr/>
+      </p:nvGrpSpPr>
+      <p:grpSpPr>
+        <a:xfrm>
+          <a:off x="0" y="0"/>
+          <a:ext cx="0" cy="0"/>
+          <a:chOff x="0" y="0"/>
+          <a:chExt cx="0" cy="0"/>
+        </a:xfrm>
+      </p:grpSpPr>
+      <p:sp>
+        <p:nvSpPr>
+          <p:cNvPr id="2" name="Title 1"/>
+          <p:cNvSpPr>
+            <a:spLocks noGrp="1"/>
+          </p:cNvSpPr>
+          <p:nvPr>
+            <p:ph type="title"/>
+          </p:nvPr>
+        </p:nvSpPr>
+        <p:spPr/>
+        <p:txBody>
+          <a:bodyPr/>
+          <a:lstStyle/>
+          <a:p>
+            <a:r>
+              <a:rPr lang="en-US" dirty="0"/>
+              <a:t>What’s Happening with Hardware?</a:t>
+            </a:r>
+          </a:p>
+        </p:txBody>
+      </p:sp>
+      <p:sp>
+        <p:nvSpPr>
+          <p:cNvPr id="3" name="Content Placeholder 2"/>
+          <p:cNvSpPr>
+            <a:spLocks noGrp="1"/>
+          </p:cNvSpPr>
+          <p:nvPr>
+            <p:ph idx="1"/>
+          </p:nvPr>
+        </p:nvSpPr>
+        <p:spPr/>
+        <p:txBody>
+          <a:bodyPr/>
+          <a:lstStyle/>
+          <a:p>
+            <a:r>
+              <a:rPr lang="en-US" dirty="0"/>
+              <a:t>Clock speed: stuck at 3Ghz for ~ 10 years</a:t>
+            </a:r>
+          </a:p>
+          <a:p>
+            <a:r>
+              <a:rPr lang="en-US" dirty="0"/>
+              <a:t>Net bandwidth doubles ~ 2 years</a:t>
+            </a:r>
+          </a:p>
+          <a:p>
+            <a:r>
+              <a:rPr lang="en-US" dirty="0"/>
+              <a:t>Disk bandwidth doubles ~ 2 years</a:t>
+            </a:r>
+          </a:p>
+          <a:p>
+            <a:r>
+              <a:rPr lang="en-US" dirty="0"/>
+              <a:t>SSD bandwidth doubles ~ 3 years</a:t>
+            </a:r>
+          </a:p>
+          <a:p>
+            <a:r>
+              <a:rPr lang="en-US" dirty="0"/>
+              <a:t>Disk seek speed doubles ~ 10 years</a:t>
+            </a:r>
+          </a:p>
+          <a:p>
+            <a:r>
+              <a:rPr lang="en-US" dirty="0"/>
+              <a:t>SSD latency nearly saturated</a:t>
+            </a:r>
+          </a:p>
+        </p:txBody>
+      </p:sp>
+    </p:spTree>
+    <p:extLst>
+      <p:ext uri="{BB962C8B-B14F-4D97-AF65-F5344CB8AC3E}">
+        <p14:creationId xmlns:p14="http://schemas.microsoft.com/office/powerpoint/2010/main" val="1742233275"/>
+      </p:ext>
+    </p:extLst>
+  </p:cSld>
+  <p:clrMapOvr>
+    <a:masterClrMapping/>
+  </p:clrMapOvr>
+</p:sld>
+</file>
+
 <file path=ppt/theme/theme1.xml><?xml version="1.0" encoding="utf-8"?>
 <a:theme xmlns:a="http://schemas.openxmlformats.org/drawingml/2006/main" name="Office 主题">
   <a:themeElements>
